--- a/finalPresentationFiles/GDIS_Final_Presentation.pptx
+++ b/finalPresentationFiles/GDIS_Final_Presentation.pptx
@@ -5,25 +5,27 @@
     <p:sldMasterId id="2147483738" r:id="rId1"/>
   </p:sldMasterIdLst>
   <p:notesMasterIdLst>
-    <p:notesMasterId r:id="rId15"/>
+    <p:notesMasterId r:id="rId17"/>
   </p:notesMasterIdLst>
   <p:handoutMasterIdLst>
-    <p:handoutMasterId r:id="rId16"/>
+    <p:handoutMasterId r:id="rId18"/>
   </p:handoutMasterIdLst>
   <p:sldIdLst>
     <p:sldId id="256" r:id="rId2"/>
-    <p:sldId id="288" r:id="rId3"/>
-    <p:sldId id="283" r:id="rId4"/>
-    <p:sldId id="266" r:id="rId5"/>
-    <p:sldId id="297" r:id="rId6"/>
-    <p:sldId id="286" r:id="rId7"/>
-    <p:sldId id="293" r:id="rId8"/>
-    <p:sldId id="290" r:id="rId9"/>
-    <p:sldId id="291" r:id="rId10"/>
-    <p:sldId id="292" r:id="rId11"/>
-    <p:sldId id="295" r:id="rId12"/>
-    <p:sldId id="289" r:id="rId13"/>
-    <p:sldId id="269" r:id="rId14"/>
+    <p:sldId id="300" r:id="rId3"/>
+    <p:sldId id="301" r:id="rId4"/>
+    <p:sldId id="288" r:id="rId5"/>
+    <p:sldId id="283" r:id="rId6"/>
+    <p:sldId id="266" r:id="rId7"/>
+    <p:sldId id="297" r:id="rId8"/>
+    <p:sldId id="286" r:id="rId9"/>
+    <p:sldId id="293" r:id="rId10"/>
+    <p:sldId id="299" r:id="rId11"/>
+    <p:sldId id="290" r:id="rId12"/>
+    <p:sldId id="298" r:id="rId13"/>
+    <p:sldId id="295" r:id="rId14"/>
+    <p:sldId id="302" r:id="rId15"/>
+    <p:sldId id="269" r:id="rId16"/>
   </p:sldIdLst>
   <p:sldSz cx="12192000" cy="6858000"/>
   <p:notesSz cx="7099300" cy="10234613"/>
@@ -185,10 +187,6 @@
 </p:presentation>
 </file>
 
-<file path=ppt/revisionInfo.xml><?xml version="1.0" encoding="utf-8"?>
-<p1510:revInfo xmlns:a="http://schemas.openxmlformats.org/drawingml/2006/main" xmlns:r="http://schemas.openxmlformats.org/officeDocument/2006/relationships" xmlns:p1510="http://schemas.microsoft.com/office/powerpoint/2015/10/main"/>
-</file>
-
 <file path=ppt/handoutMasters/handoutMaster1.xml><?xml version="1.0" encoding="utf-8"?>
 <p:handoutMaster xmlns:a="http://schemas.openxmlformats.org/drawingml/2006/main" xmlns:r="http://schemas.openxmlformats.org/officeDocument/2006/relationships" xmlns:p="http://schemas.openxmlformats.org/presentationml/2006/main">
   <p:cSld>
@@ -302,7 +300,7 @@
               <a:pPr>
                 <a:defRPr/>
               </a:pPr>
-              <a:t>01.08.2017</a:t>
+              <a:t>02.08.2017</a:t>
             </a:fld>
             <a:endParaRPr lang="de-DE" sz="1000" dirty="0">
               <a:latin typeface="Arial" pitchFamily="34" charset="0"/>
@@ -402,7 +400,7 @@
               <a:pPr>
                 <a:defRPr/>
               </a:pPr>
-              <a:t>‹#›</a:t>
+              <a:t>‹Nr.›</a:t>
             </a:fld>
             <a:endParaRPr lang="de-DE" sz="1000" dirty="0">
               <a:latin typeface="Arial" pitchFamily="34" charset="0"/>
@@ -531,7 +529,7 @@
               <a:pPr>
                 <a:defRPr/>
               </a:pPr>
-              <a:t>01.08.2017</a:t>
+              <a:t>02.08.2017</a:t>
             </a:fld>
             <a:endParaRPr lang="de-DE" dirty="0"/>
           </a:p>
@@ -717,7 +715,7 @@
               <a:pPr>
                 <a:defRPr/>
               </a:pPr>
-              <a:t>‹#›</a:t>
+              <a:t>‹Nr.›</a:t>
             </a:fld>
             <a:endParaRPr lang="de-DE" dirty="0"/>
           </a:p>
@@ -1075,6 +1073,120 @@
     </p:spTree>
     <p:extLst>
       <p:ext uri="{BB962C8B-B14F-4D97-AF65-F5344CB8AC3E}">
+        <p14:creationId xmlns:p14="http://schemas.microsoft.com/office/powerpoint/2010/main" val="194576941"/>
+      </p:ext>
+    </p:extLst>
+  </p:cSld>
+  <p:clrMapOvr>
+    <a:masterClrMapping/>
+  </p:clrMapOvr>
+</p:notes>
+</file>
+
+<file path=ppt/notesSlides/notesSlide3.xml><?xml version="1.0" encoding="utf-8"?>
+<p:notes xmlns:a="http://schemas.openxmlformats.org/drawingml/2006/main" xmlns:r="http://schemas.openxmlformats.org/officeDocument/2006/relationships" xmlns:p="http://schemas.openxmlformats.org/presentationml/2006/main">
+  <p:cSld>
+    <p:spTree>
+      <p:nvGrpSpPr>
+        <p:cNvPr id="1" name=""/>
+        <p:cNvGrpSpPr/>
+        <p:nvPr/>
+      </p:nvGrpSpPr>
+      <p:grpSpPr>
+        <a:xfrm>
+          <a:off x="0" y="0"/>
+          <a:ext cx="0" cy="0"/>
+          <a:chOff x="0" y="0"/>
+          <a:chExt cx="0" cy="0"/>
+        </a:xfrm>
+      </p:grpSpPr>
+      <p:sp>
+        <p:nvSpPr>
+          <p:cNvPr id="18434" name="Folienbildplatzhalter 1"/>
+          <p:cNvSpPr>
+            <a:spLocks noGrp="1" noRot="1" noChangeAspect="1" noTextEdit="1"/>
+          </p:cNvSpPr>
+          <p:nvPr>
+            <p:ph type="sldImg"/>
+          </p:nvPr>
+        </p:nvSpPr>
+        <p:spPr bwMode="auto">
+          <a:xfrm>
+            <a:off x="479425" y="1279525"/>
+            <a:ext cx="6140450" cy="3454400"/>
+          </a:xfrm>
+          <a:noFill/>
+          <a:ln>
+            <a:solidFill>
+              <a:srgbClr val="000000"/>
+            </a:solidFill>
+            <a:miter lim="800000"/>
+            <a:headEnd/>
+            <a:tailEnd/>
+          </a:ln>
+          <a:extLst>
+            <a:ext uri="{909E8E84-426E-40DD-AFC4-6F175D3DCCD1}">
+              <a14:hiddenFill xmlns:a14="http://schemas.microsoft.com/office/drawing/2010/main">
+                <a:solidFill>
+                  <a:srgbClr val="FFFFFF"/>
+                </a:solidFill>
+              </a14:hiddenFill>
+            </a:ext>
+          </a:extLst>
+        </p:spPr>
+      </p:sp>
+      <p:sp>
+        <p:nvSpPr>
+          <p:cNvPr id="18435" name="Notizenplatzhalter 2"/>
+          <p:cNvSpPr>
+            <a:spLocks noGrp="1"/>
+          </p:cNvSpPr>
+          <p:nvPr>
+            <p:ph type="body" idx="1"/>
+          </p:nvPr>
+        </p:nvSpPr>
+        <p:spPr bwMode="auto">
+          <a:noFill/>
+          <a:extLst>
+            <a:ext uri="{909E8E84-426E-40DD-AFC4-6F175D3DCCD1}">
+              <a14:hiddenFill xmlns:a14="http://schemas.microsoft.com/office/drawing/2010/main">
+                <a:solidFill>
+                  <a:srgbClr val="FFFFFF"/>
+                </a:solidFill>
+              </a14:hiddenFill>
+            </a:ext>
+            <a:ext uri="{91240B29-F687-4F45-9708-019B960494DF}">
+              <a14:hiddenLine xmlns:a14="http://schemas.microsoft.com/office/drawing/2010/main" w="9525">
+                <a:solidFill>
+                  <a:srgbClr val="000000"/>
+                </a:solidFill>
+                <a:miter lim="800000"/>
+                <a:headEnd/>
+                <a:tailEnd/>
+              </a14:hiddenLine>
+            </a:ext>
+          </a:extLst>
+        </p:spPr>
+        <p:txBody>
+          <a:bodyPr wrap="square" numCol="1" anchor="t" anchorCtr="0" compatLnSpc="1">
+            <a:prstTxWarp prst="textNoShape">
+              <a:avLst/>
+            </a:prstTxWarp>
+          </a:bodyPr>
+          <a:lstStyle/>
+          <a:p>
+            <a:pPr>
+              <a:spcBef>
+                <a:spcPct val="0"/>
+              </a:spcBef>
+            </a:pPr>
+            <a:endParaRPr lang="de-DE" altLang="de-DE"/>
+          </a:p>
+        </p:txBody>
+      </p:sp>
+    </p:spTree>
+    <p:extLst>
+      <p:ext uri="{BB962C8B-B14F-4D97-AF65-F5344CB8AC3E}">
         <p14:creationId xmlns:p14="http://schemas.microsoft.com/office/powerpoint/2010/main" val="1400826211"/>
       </p:ext>
     </p:extLst>
@@ -1085,7 +1197,121 @@
 </p:notes>
 </file>
 
-<file path=ppt/notesSlides/notesSlide3.xml><?xml version="1.0" encoding="utf-8"?>
+<file path=ppt/notesSlides/notesSlide4.xml><?xml version="1.0" encoding="utf-8"?>
+<p:notes xmlns:a="http://schemas.openxmlformats.org/drawingml/2006/main" xmlns:r="http://schemas.openxmlformats.org/officeDocument/2006/relationships" xmlns:p="http://schemas.openxmlformats.org/presentationml/2006/main">
+  <p:cSld>
+    <p:spTree>
+      <p:nvGrpSpPr>
+        <p:cNvPr id="1" name=""/>
+        <p:cNvGrpSpPr/>
+        <p:nvPr/>
+      </p:nvGrpSpPr>
+      <p:grpSpPr>
+        <a:xfrm>
+          <a:off x="0" y="0"/>
+          <a:ext cx="0" cy="0"/>
+          <a:chOff x="0" y="0"/>
+          <a:chExt cx="0" cy="0"/>
+        </a:xfrm>
+      </p:grpSpPr>
+      <p:sp>
+        <p:nvSpPr>
+          <p:cNvPr id="18434" name="Folienbildplatzhalter 1"/>
+          <p:cNvSpPr>
+            <a:spLocks noGrp="1" noRot="1" noChangeAspect="1" noTextEdit="1"/>
+          </p:cNvSpPr>
+          <p:nvPr>
+            <p:ph type="sldImg"/>
+          </p:nvPr>
+        </p:nvSpPr>
+        <p:spPr bwMode="auto">
+          <a:xfrm>
+            <a:off x="479425" y="1279525"/>
+            <a:ext cx="6140450" cy="3454400"/>
+          </a:xfrm>
+          <a:noFill/>
+          <a:ln>
+            <a:solidFill>
+              <a:srgbClr val="000000"/>
+            </a:solidFill>
+            <a:miter lim="800000"/>
+            <a:headEnd/>
+            <a:tailEnd/>
+          </a:ln>
+          <a:extLst>
+            <a:ext uri="{909E8E84-426E-40DD-AFC4-6F175D3DCCD1}">
+              <a14:hiddenFill xmlns:a14="http://schemas.microsoft.com/office/drawing/2010/main">
+                <a:solidFill>
+                  <a:srgbClr val="FFFFFF"/>
+                </a:solidFill>
+              </a14:hiddenFill>
+            </a:ext>
+          </a:extLst>
+        </p:spPr>
+      </p:sp>
+      <p:sp>
+        <p:nvSpPr>
+          <p:cNvPr id="18435" name="Notizenplatzhalter 2"/>
+          <p:cNvSpPr>
+            <a:spLocks noGrp="1"/>
+          </p:cNvSpPr>
+          <p:nvPr>
+            <p:ph type="body" idx="1"/>
+          </p:nvPr>
+        </p:nvSpPr>
+        <p:spPr bwMode="auto">
+          <a:noFill/>
+          <a:extLst>
+            <a:ext uri="{909E8E84-426E-40DD-AFC4-6F175D3DCCD1}">
+              <a14:hiddenFill xmlns:a14="http://schemas.microsoft.com/office/drawing/2010/main">
+                <a:solidFill>
+                  <a:srgbClr val="FFFFFF"/>
+                </a:solidFill>
+              </a14:hiddenFill>
+            </a:ext>
+            <a:ext uri="{91240B29-F687-4F45-9708-019B960494DF}">
+              <a14:hiddenLine xmlns:a14="http://schemas.microsoft.com/office/drawing/2010/main" w="9525">
+                <a:solidFill>
+                  <a:srgbClr val="000000"/>
+                </a:solidFill>
+                <a:miter lim="800000"/>
+                <a:headEnd/>
+                <a:tailEnd/>
+              </a14:hiddenLine>
+            </a:ext>
+          </a:extLst>
+        </p:spPr>
+        <p:txBody>
+          <a:bodyPr wrap="square" numCol="1" anchor="t" anchorCtr="0" compatLnSpc="1">
+            <a:prstTxWarp prst="textNoShape">
+              <a:avLst/>
+            </a:prstTxWarp>
+          </a:bodyPr>
+          <a:lstStyle/>
+          <a:p>
+            <a:pPr>
+              <a:spcBef>
+                <a:spcPct val="0"/>
+              </a:spcBef>
+            </a:pPr>
+            <a:endParaRPr lang="de-DE" altLang="de-DE"/>
+          </a:p>
+        </p:txBody>
+      </p:sp>
+    </p:spTree>
+    <p:extLst>
+      <p:ext uri="{BB962C8B-B14F-4D97-AF65-F5344CB8AC3E}">
+        <p14:creationId xmlns:p14="http://schemas.microsoft.com/office/powerpoint/2010/main" val="2256908575"/>
+      </p:ext>
+    </p:extLst>
+  </p:cSld>
+  <p:clrMapOvr>
+    <a:masterClrMapping/>
+  </p:clrMapOvr>
+</p:notes>
+</file>
+
+<file path=ppt/notesSlides/notesSlide5.xml><?xml version="1.0" encoding="utf-8"?>
 <p:notes xmlns:a="http://schemas.openxmlformats.org/drawingml/2006/main" xmlns:r="http://schemas.openxmlformats.org/officeDocument/2006/relationships" xmlns:p="http://schemas.openxmlformats.org/presentationml/2006/main">
   <p:cSld>
     <p:spTree>
@@ -1586,7 +1812,7 @@
             <a:fld id="{4506F84E-75D2-4715-B6C6-C971E49CE21A}" type="slidenum">
               <a:rPr lang="de-DE" smtClean="0"/>
               <a:pPr/>
-              <a:t>‹#›</a:t>
+              <a:t>‹Nr.›</a:t>
             </a:fld>
             <a:endParaRPr lang="de-DE" dirty="0"/>
           </a:p>
@@ -1815,7 +2041,7 @@
             <a:fld id="{4506F84E-75D2-4715-B6C6-C971E49CE21A}" type="slidenum">
               <a:rPr lang="de-DE" smtClean="0"/>
               <a:pPr/>
-              <a:t>‹#›</a:t>
+              <a:t>‹Nr.›</a:t>
             </a:fld>
             <a:endParaRPr lang="de-DE" dirty="0"/>
           </a:p>
@@ -1949,7 +2175,7 @@
             <a:fld id="{4506F84E-75D2-4715-B6C6-C971E49CE21A}" type="slidenum">
               <a:rPr lang="de-DE" smtClean="0"/>
               <a:pPr/>
-              <a:t>‹#›</a:t>
+              <a:t>‹Nr.›</a:t>
             </a:fld>
             <a:endParaRPr lang="de-DE" dirty="0"/>
           </a:p>
@@ -2083,7 +2309,7 @@
             <a:fld id="{4506F84E-75D2-4715-B6C6-C971E49CE21A}" type="slidenum">
               <a:rPr lang="de-DE" smtClean="0"/>
               <a:pPr/>
-              <a:t>‹#›</a:t>
+              <a:t>‹Nr.›</a:t>
             </a:fld>
             <a:endParaRPr lang="de-DE" dirty="0"/>
           </a:p>
@@ -2272,7 +2498,7 @@
             <a:fld id="{4506F84E-75D2-4715-B6C6-C971E49CE21A}" type="slidenum">
               <a:rPr lang="de-DE" smtClean="0"/>
               <a:pPr/>
-              <a:t>‹#›</a:t>
+              <a:t>‹Nr.›</a:t>
             </a:fld>
             <a:endParaRPr lang="de-DE" dirty="0"/>
           </a:p>
@@ -2461,7 +2687,7 @@
             <a:fld id="{4506F84E-75D2-4715-B6C6-C971E49CE21A}" type="slidenum">
               <a:rPr lang="de-DE" smtClean="0"/>
               <a:pPr/>
-              <a:t>‹#›</a:t>
+              <a:t>‹Nr.›</a:t>
             </a:fld>
             <a:endParaRPr lang="de-DE" dirty="0"/>
           </a:p>
@@ -2650,7 +2876,7 @@
             <a:fld id="{4506F84E-75D2-4715-B6C6-C971E49CE21A}" type="slidenum">
               <a:rPr lang="de-DE" smtClean="0"/>
               <a:pPr/>
-              <a:t>‹#›</a:t>
+              <a:t>‹Nr.›</a:t>
             </a:fld>
             <a:endParaRPr lang="de-DE" dirty="0"/>
           </a:p>
@@ -2822,7 +3048,7 @@
             <a:fld id="{4506F84E-75D2-4715-B6C6-C971E49CE21A}" type="slidenum">
               <a:rPr lang="de-DE" smtClean="0"/>
               <a:pPr/>
-              <a:t>‹#›</a:t>
+              <a:t>‹Nr.›</a:t>
             </a:fld>
             <a:endParaRPr lang="de-DE" dirty="0"/>
           </a:p>
@@ -3655,12 +3881,98 @@
           <a:chExt cx="0" cy="0"/>
         </a:xfrm>
       </p:grpSpPr>
+      <p:sp>
+        <p:nvSpPr>
+          <p:cNvPr id="4" name="Заглавие 3">
+            <a:extLst>
+              <a:ext uri="{FF2B5EF4-FFF2-40B4-BE49-F238E27FC236}">
+                <a16:creationId xmlns:a16="http://schemas.microsoft.com/office/drawing/2014/main" id="{F107BE4F-CE35-483F-91E0-3375F637AFCB}"/>
+              </a:ext>
+            </a:extLst>
+          </p:cNvPr>
+          <p:cNvSpPr>
+            <a:spLocks noGrp="1"/>
+          </p:cNvSpPr>
+          <p:nvPr>
+            <p:ph type="title"/>
+          </p:nvPr>
+        </p:nvSpPr>
+        <p:spPr/>
+        <p:txBody>
+          <a:bodyPr>
+            <a:normAutofit/>
+          </a:bodyPr>
+          <a:lstStyle/>
+          <a:p>
+            <a:r>
+              <a:rPr lang="en-US" sz="2800" dirty="0" err="1"/>
+              <a:t>Entityverwaltung</a:t>
+            </a:r>
+            <a:endParaRPr lang="en-US" sz="2800" dirty="0"/>
+          </a:p>
+        </p:txBody>
+      </p:sp>
+      <p:sp>
+        <p:nvSpPr>
+          <p:cNvPr id="2" name="Контейнер за долния колонтитул 1">
+            <a:extLst>
+              <a:ext uri="{FF2B5EF4-FFF2-40B4-BE49-F238E27FC236}">
+                <a16:creationId xmlns:a16="http://schemas.microsoft.com/office/drawing/2014/main" id="{7C34C6EE-8DC9-47CD-8AF0-836DDB1C5439}"/>
+              </a:ext>
+            </a:extLst>
+          </p:cNvPr>
+          <p:cNvSpPr>
+            <a:spLocks noGrp="1"/>
+          </p:cNvSpPr>
+          <p:nvPr>
+            <p:ph type="ftr" sz="quarter" idx="13"/>
+          </p:nvPr>
+        </p:nvSpPr>
+        <p:spPr/>
+        <p:txBody>
+          <a:bodyPr/>
+          <a:lstStyle/>
+          <a:p>
+            <a:endParaRPr lang="de-DE" dirty="0"/>
+          </a:p>
+        </p:txBody>
+      </p:sp>
+      <p:sp>
+        <p:nvSpPr>
+          <p:cNvPr id="3" name="Контейнер за номер на слайда 2">
+            <a:extLst>
+              <a:ext uri="{FF2B5EF4-FFF2-40B4-BE49-F238E27FC236}">
+                <a16:creationId xmlns:a16="http://schemas.microsoft.com/office/drawing/2014/main" id="{DF59CBD4-7D45-4C34-9AB0-5867B942F70C}"/>
+              </a:ext>
+            </a:extLst>
+          </p:cNvPr>
+          <p:cNvSpPr>
+            <a:spLocks noGrp="1"/>
+          </p:cNvSpPr>
+          <p:nvPr>
+            <p:ph type="sldNum" sz="quarter" idx="14"/>
+          </p:nvPr>
+        </p:nvSpPr>
+        <p:spPr/>
+        <p:txBody>
+          <a:bodyPr/>
+          <a:lstStyle/>
+          <a:p>
+            <a:fld id="{4506F84E-75D2-4715-B6C6-C971E49CE21A}" type="slidenum">
+              <a:rPr lang="de-DE" smtClean="0"/>
+              <a:pPr/>
+              <a:t>10</a:t>
+            </a:fld>
+            <a:endParaRPr lang="de-DE" dirty="0"/>
+          </a:p>
+        </p:txBody>
+      </p:sp>
       <p:pic>
         <p:nvPicPr>
-          <p:cNvPr id="7" name="Контейнер за съдържание 6">
+          <p:cNvPr id="7" name="Inhaltsplatzhalter 6">
             <a:extLst>
               <a:ext uri="{FF2B5EF4-FFF2-40B4-BE49-F238E27FC236}">
-                <a16:creationId xmlns:a16="http://schemas.microsoft.com/office/drawing/2014/main" id="{C4DE61BF-D6B8-4ABE-A2E1-537E2DBBF7DE}"/>
+                <a16:creationId xmlns:a16="http://schemas.microsoft.com/office/drawing/2014/main" id="{099B6C54-2FB5-4782-BB9A-793FBE176EBC}"/>
               </a:ext>
             </a:extLst>
           </p:cNvPr>
@@ -3685,189 +3997,15 @@
         </p:blipFill>
         <p:spPr>
           <a:xfrm>
-            <a:off x="702366" y="201601"/>
-            <a:ext cx="11098658" cy="2462086"/>
+            <a:off x="382588" y="941777"/>
+            <a:ext cx="11426825" cy="4621320"/>
           </a:xfrm>
         </p:spPr>
       </p:pic>
-      <p:sp>
-        <p:nvSpPr>
-          <p:cNvPr id="3" name="Контейнер за долния колонтитул 2">
-            <a:extLst>
-              <a:ext uri="{FF2B5EF4-FFF2-40B4-BE49-F238E27FC236}">
-                <a16:creationId xmlns:a16="http://schemas.microsoft.com/office/drawing/2014/main" id="{47F035C3-1BEE-4458-915D-D49740638CCD}"/>
-              </a:ext>
-            </a:extLst>
-          </p:cNvPr>
-          <p:cNvSpPr>
-            <a:spLocks noGrp="1"/>
-          </p:cNvSpPr>
-          <p:nvPr>
-            <p:ph type="ftr" sz="quarter" idx="13"/>
-          </p:nvPr>
-        </p:nvSpPr>
-        <p:spPr/>
-        <p:txBody>
-          <a:bodyPr/>
-          <a:lstStyle/>
-          <a:p>
-            <a:endParaRPr lang="de-DE" dirty="0"/>
-          </a:p>
-        </p:txBody>
-      </p:sp>
-      <p:sp>
-        <p:nvSpPr>
-          <p:cNvPr id="4" name="Контейнер за номер на слайда 3">
-            <a:extLst>
-              <a:ext uri="{FF2B5EF4-FFF2-40B4-BE49-F238E27FC236}">
-                <a16:creationId xmlns:a16="http://schemas.microsoft.com/office/drawing/2014/main" id="{4372DCD2-D182-4288-A227-ABDFEF18D784}"/>
-              </a:ext>
-            </a:extLst>
-          </p:cNvPr>
-          <p:cNvSpPr>
-            <a:spLocks noGrp="1"/>
-          </p:cNvSpPr>
-          <p:nvPr>
-            <p:ph type="sldNum" sz="quarter" idx="14"/>
-          </p:nvPr>
-        </p:nvSpPr>
-        <p:spPr/>
-        <p:txBody>
-          <a:bodyPr/>
-          <a:lstStyle/>
-          <a:p>
-            <a:fld id="{4506F84E-75D2-4715-B6C6-C971E49CE21A}" type="slidenum">
-              <a:rPr lang="de-DE" smtClean="0"/>
-              <a:pPr/>
-              <a:t>10</a:t>
-            </a:fld>
-            <a:endParaRPr lang="de-DE" dirty="0"/>
-          </a:p>
-        </p:txBody>
-      </p:sp>
-      <p:sp>
-        <p:nvSpPr>
-          <p:cNvPr id="5" name="Контейнер за съдържание 4">
-            <a:extLst>
-              <a:ext uri="{FF2B5EF4-FFF2-40B4-BE49-F238E27FC236}">
-                <a16:creationId xmlns:a16="http://schemas.microsoft.com/office/drawing/2014/main" id="{CD9CD64D-501B-4B27-81A3-A8DD73E006EF}"/>
-              </a:ext>
-            </a:extLst>
-          </p:cNvPr>
-          <p:cNvSpPr>
-            <a:spLocks noGrp="1"/>
-          </p:cNvSpPr>
-          <p:nvPr>
-            <p:ph sz="quarter" idx="15"/>
-          </p:nvPr>
-        </p:nvSpPr>
-        <p:spPr>
-          <a:xfrm>
-            <a:off x="383119" y="3167269"/>
-            <a:ext cx="11417905" cy="2798555"/>
-          </a:xfrm>
-        </p:spPr>
-        <p:txBody>
-          <a:bodyPr/>
-          <a:lstStyle/>
-          <a:p>
-            <a:r>
-              <a:rPr lang="de-DE" dirty="0"/>
-              <a:t>Vorhandene </a:t>
-            </a:r>
-            <a:r>
-              <a:rPr lang="de-DE" dirty="0" err="1"/>
-              <a:t>Entities</a:t>
-            </a:r>
-            <a:r>
-              <a:rPr lang="de-DE" dirty="0"/>
-              <a:t> verwalten</a:t>
-            </a:r>
-            <a:r>
-              <a:rPr lang="en-US" dirty="0"/>
-              <a:t>:</a:t>
-            </a:r>
-          </a:p>
-          <a:p>
-            <a:pPr marL="457200" indent="-457200">
-              <a:buFont typeface="Arial" panose="020B0604020202020204" pitchFamily="34" charset="0"/>
-              <a:buChar char="•"/>
-            </a:pPr>
-            <a:r>
-              <a:rPr lang="en-US" dirty="0" err="1"/>
-              <a:t>ihren</a:t>
-            </a:r>
-            <a:r>
-              <a:rPr lang="en-US" dirty="0"/>
-              <a:t> </a:t>
-            </a:r>
-            <a:r>
-              <a:rPr lang="en-US" dirty="0" err="1"/>
-              <a:t>Namen</a:t>
-            </a:r>
-            <a:r>
-              <a:rPr lang="en-US" dirty="0"/>
-              <a:t> </a:t>
-            </a:r>
-            <a:r>
-              <a:rPr lang="de-DE" dirty="0"/>
-              <a:t>ändern</a:t>
-            </a:r>
-          </a:p>
-          <a:p>
-            <a:pPr marL="457200" indent="-457200">
-              <a:buFont typeface="Arial" panose="020B0604020202020204" pitchFamily="34" charset="0"/>
-              <a:buChar char="•"/>
-            </a:pPr>
-            <a:r>
-              <a:rPr lang="de-DE" dirty="0"/>
-              <a:t>ihre Attribute umbenennen</a:t>
-            </a:r>
-          </a:p>
-          <a:p>
-            <a:pPr marL="457200" indent="-457200">
-              <a:buFont typeface="Arial" panose="020B0604020202020204" pitchFamily="34" charset="0"/>
-              <a:buChar char="•"/>
-            </a:pPr>
-            <a:r>
-              <a:rPr lang="de-DE" dirty="0"/>
-              <a:t>neue Attribute hinzufügen</a:t>
-            </a:r>
-          </a:p>
-          <a:p>
-            <a:pPr marL="457200" indent="-457200">
-              <a:buFont typeface="Arial" panose="020B0604020202020204" pitchFamily="34" charset="0"/>
-              <a:buChar char="•"/>
-            </a:pPr>
-            <a:r>
-              <a:rPr lang="de-DE" dirty="0"/>
-              <a:t>neue </a:t>
-            </a:r>
-            <a:r>
-              <a:rPr lang="de-DE" dirty="0" err="1"/>
-              <a:t>Entities</a:t>
-            </a:r>
-            <a:r>
-              <a:rPr lang="de-DE" dirty="0"/>
-              <a:t> erstellen</a:t>
-            </a:r>
-          </a:p>
-          <a:p>
-            <a:endParaRPr lang="en-US" dirty="0"/>
-          </a:p>
-          <a:p>
-            <a:pPr marL="457200" indent="-457200">
-              <a:buFont typeface="Arial" panose="020B0604020202020204" pitchFamily="34" charset="0"/>
-              <a:buChar char="•"/>
-            </a:pPr>
-            <a:endParaRPr lang="en-US" dirty="0"/>
-          </a:p>
-        </p:txBody>
-      </p:sp>
     </p:spTree>
     <p:extLst>
       <p:ext uri="{BB962C8B-B14F-4D97-AF65-F5344CB8AC3E}">
-        <p14:creationId xmlns:p14="http://schemas.microsoft.com/office/powerpoint/2010/main" val="3084144496"/>
+        <p14:creationId xmlns:p14="http://schemas.microsoft.com/office/powerpoint/2010/main" val="1380125939"/>
       </p:ext>
     </p:extLst>
   </p:cSld>
@@ -3894,51 +4032,47 @@
           <a:chExt cx="0" cy="0"/>
         </a:xfrm>
       </p:grpSpPr>
-      <p:sp>
-        <p:nvSpPr>
-          <p:cNvPr id="5" name="Заглавие 4">
+      <p:pic>
+        <p:nvPicPr>
+          <p:cNvPr id="9" name="Контейнер за съдържание 8">
             <a:extLst>
               <a:ext uri="{FF2B5EF4-FFF2-40B4-BE49-F238E27FC236}">
-                <a16:creationId xmlns:a16="http://schemas.microsoft.com/office/drawing/2014/main" id="{6E47550B-D0EE-48AE-A808-31B4B7545900}"/>
+                <a16:creationId xmlns:a16="http://schemas.microsoft.com/office/drawing/2014/main" id="{87FC5537-42A3-4261-815C-9854ECBAA5D0}"/>
               </a:ext>
             </a:extLst>
           </p:cNvPr>
-          <p:cNvSpPr>
-            <a:spLocks noGrp="1"/>
-          </p:cNvSpPr>
-          <p:nvPr>
-            <p:ph type="title"/>
-          </p:nvPr>
-        </p:nvSpPr>
-        <p:spPr/>
-        <p:txBody>
-          <a:bodyPr>
-            <a:normAutofit/>
-          </a:bodyPr>
-          <a:lstStyle/>
-          <a:p>
-            <a:r>
-              <a:rPr lang="en-US" sz="2800" dirty="0" err="1"/>
-              <a:t>Zukünftige</a:t>
-            </a:r>
-            <a:r>
-              <a:rPr lang="en-US" sz="2800" dirty="0"/>
-              <a:t> Features und </a:t>
-            </a:r>
-            <a:r>
-              <a:rPr lang="en-US" sz="2800" dirty="0" err="1"/>
-              <a:t>Erweiterungen</a:t>
-            </a:r>
-            <a:endParaRPr lang="en-US" sz="2800" dirty="0"/>
-          </a:p>
-        </p:txBody>
-      </p:sp>
-      <p:sp>
-        <p:nvSpPr>
-          <p:cNvPr id="6" name="Контейнер за съдържание 5">
+          <p:cNvPicPr>
+            <a:picLocks noGrp="1" noChangeAspect="1"/>
+          </p:cNvPicPr>
+          <p:nvPr>
+            <p:ph sz="quarter" idx="12"/>
+          </p:nvPr>
+        </p:nvPicPr>
+        <p:blipFill>
+          <a:blip r:embed="rId2">
+            <a:extLst>
+              <a:ext uri="{28A0092B-C50C-407E-A947-70E740481C1C}">
+                <a14:useLocalDpi xmlns:a14="http://schemas.microsoft.com/office/drawing/2010/main" val="0"/>
+              </a:ext>
+            </a:extLst>
+          </a:blip>
+          <a:stretch>
+            <a:fillRect/>
+          </a:stretch>
+        </p:blipFill>
+        <p:spPr>
+          <a:xfrm>
+            <a:off x="1470991" y="331304"/>
+            <a:ext cx="9700591" cy="2782957"/>
+          </a:xfrm>
+        </p:spPr>
+      </p:pic>
+      <p:sp>
+        <p:nvSpPr>
+          <p:cNvPr id="2" name="Контейнер за долния колонтитул 1">
             <a:extLst>
               <a:ext uri="{FF2B5EF4-FFF2-40B4-BE49-F238E27FC236}">
-                <a16:creationId xmlns:a16="http://schemas.microsoft.com/office/drawing/2014/main" id="{1931EDBB-8A51-4AC7-9C0B-D01548241B42}"/>
+                <a16:creationId xmlns:a16="http://schemas.microsoft.com/office/drawing/2014/main" id="{E82CF011-6F4A-4DF6-91CE-346730693AB8}"/>
               </a:ext>
             </a:extLst>
           </p:cNvPr>
@@ -3946,162 +4080,6 @@
             <a:spLocks noGrp="1"/>
           </p:cNvSpPr>
           <p:nvPr>
-            <p:ph sz="quarter" idx="12"/>
-          </p:nvPr>
-        </p:nvSpPr>
-        <p:spPr/>
-        <p:txBody>
-          <a:bodyPr/>
-          <a:lstStyle/>
-          <a:p>
-            <a:pPr marL="457200" indent="-457200">
-              <a:buFont typeface="Arial" panose="020B0604020202020204" pitchFamily="34" charset="0"/>
-              <a:buChar char="•"/>
-            </a:pPr>
-            <a:endParaRPr lang="en-US" dirty="0"/>
-          </a:p>
-          <a:p>
-            <a:pPr marL="457200" indent="-457200">
-              <a:buFont typeface="Arial" panose="020B0604020202020204" pitchFamily="34" charset="0"/>
-              <a:buChar char="•"/>
-            </a:pPr>
-            <a:r>
-              <a:rPr lang="en-US" dirty="0" err="1"/>
-              <a:t>Erweiterungen</a:t>
-            </a:r>
-            <a:r>
-              <a:rPr lang="en-US" dirty="0"/>
-              <a:t> der </a:t>
-            </a:r>
-            <a:r>
-              <a:rPr lang="en-US" dirty="0" err="1"/>
-              <a:t>Suchfunktion</a:t>
-            </a:r>
-            <a:r>
-              <a:rPr lang="en-US" dirty="0"/>
-              <a:t>: </a:t>
-            </a:r>
-            <a:r>
-              <a:rPr lang="en-US" dirty="0" err="1"/>
-              <a:t>z.B</a:t>
-            </a:r>
-            <a:r>
-              <a:rPr lang="en-US" dirty="0"/>
-              <a:t>. </a:t>
-            </a:r>
-            <a:r>
-              <a:rPr lang="en-US" dirty="0" err="1"/>
-              <a:t>Orte</a:t>
-            </a:r>
-            <a:r>
-              <a:rPr lang="en-US" dirty="0"/>
-              <a:t> </a:t>
-            </a:r>
-            <a:r>
-              <a:rPr lang="en-US" dirty="0" err="1"/>
-              <a:t>nach</a:t>
-            </a:r>
-            <a:r>
-              <a:rPr lang="en-US" dirty="0"/>
-              <a:t> Longitude und Latitude </a:t>
-            </a:r>
-            <a:r>
-              <a:rPr lang="en-US" dirty="0" err="1"/>
-              <a:t>suchen</a:t>
-            </a:r>
-            <a:endParaRPr lang="en-US" dirty="0"/>
-          </a:p>
-          <a:p>
-            <a:pPr marL="457200" indent="-457200">
-              <a:buFont typeface="Arial" panose="020B0604020202020204" pitchFamily="34" charset="0"/>
-              <a:buChar char="•"/>
-            </a:pPr>
-            <a:r>
-              <a:rPr lang="en-US" dirty="0"/>
-              <a:t>Integration von Jenkins, Eureka </a:t>
-            </a:r>
-            <a:r>
-              <a:rPr lang="en-US" dirty="0" err="1"/>
-              <a:t>usw</a:t>
-            </a:r>
-            <a:r>
-              <a:rPr lang="en-US" dirty="0"/>
-              <a:t>. </a:t>
-            </a:r>
-          </a:p>
-          <a:p>
-            <a:pPr marL="457200" indent="-457200">
-              <a:buFont typeface="Arial" panose="020B0604020202020204" pitchFamily="34" charset="0"/>
-              <a:buChar char="•"/>
-            </a:pPr>
-            <a:r>
-              <a:rPr lang="en-US" dirty="0"/>
-              <a:t>Login System</a:t>
-            </a:r>
-          </a:p>
-          <a:p>
-            <a:pPr marL="457200" indent="-457200">
-              <a:buFont typeface="Arial" panose="020B0604020202020204" pitchFamily="34" charset="0"/>
-              <a:buChar char="•"/>
-            </a:pPr>
-            <a:r>
-              <a:rPr lang="en-US" dirty="0"/>
-              <a:t>Concurrency und Consistency </a:t>
-            </a:r>
-          </a:p>
-          <a:p>
-            <a:pPr marL="457200" indent="-457200">
-              <a:buFont typeface="Arial" panose="020B0604020202020204" pitchFamily="34" charset="0"/>
-              <a:buChar char="•"/>
-            </a:pPr>
-            <a:r>
-              <a:rPr lang="en-US" dirty="0" err="1"/>
-              <a:t>Hinzufügen</a:t>
-            </a:r>
-            <a:r>
-              <a:rPr lang="en-US" dirty="0"/>
-              <a:t> von </a:t>
-            </a:r>
-            <a:r>
-              <a:rPr lang="en-US" dirty="0" err="1"/>
-              <a:t>beliebig</a:t>
-            </a:r>
-            <a:r>
-              <a:rPr lang="en-US" dirty="0"/>
-              <a:t> </a:t>
-            </a:r>
-            <a:r>
-              <a:rPr lang="en-US" dirty="0" err="1"/>
-              <a:t>viele</a:t>
-            </a:r>
-            <a:r>
-              <a:rPr lang="en-US" dirty="0"/>
-              <a:t> </a:t>
-            </a:r>
-            <a:r>
-              <a:rPr lang="en-US" dirty="0" err="1"/>
-              <a:t>weiteren</a:t>
-            </a:r>
-            <a:r>
-              <a:rPr lang="en-US" dirty="0"/>
-              <a:t> Microservices</a:t>
-            </a:r>
-          </a:p>
-        </p:txBody>
-      </p:sp>
-      <p:sp>
-        <p:nvSpPr>
-          <p:cNvPr id="2" name="Контейнер за долния колонтитул 1">
-            <a:extLst>
-              <a:ext uri="{FF2B5EF4-FFF2-40B4-BE49-F238E27FC236}">
-                <a16:creationId xmlns:a16="http://schemas.microsoft.com/office/drawing/2014/main" id="{FEE0ACC8-3EDB-48A8-BA09-4D6E02011B4C}"/>
-              </a:ext>
-            </a:extLst>
-          </p:cNvPr>
-          <p:cNvSpPr>
-            <a:spLocks noGrp="1"/>
-          </p:cNvSpPr>
-          <p:nvPr>
             <p:ph type="ftr" sz="quarter" idx="13"/>
           </p:nvPr>
         </p:nvSpPr>
@@ -4119,7 +4097,7 @@
           <p:cNvPr id="3" name="Контейнер за номер на слайда 2">
             <a:extLst>
               <a:ext uri="{FF2B5EF4-FFF2-40B4-BE49-F238E27FC236}">
-                <a16:creationId xmlns:a16="http://schemas.microsoft.com/office/drawing/2014/main" id="{E5C175FF-DBCF-4DC0-8B34-0748575AB137}"/>
+                <a16:creationId xmlns:a16="http://schemas.microsoft.com/office/drawing/2014/main" id="{EA741454-A2A7-42A3-9B57-4A7B0E751A98}"/>
               </a:ext>
             </a:extLst>
           </p:cNvPr>
@@ -4144,10 +4122,77 @@
           </a:p>
         </p:txBody>
       </p:sp>
+      <p:sp>
+        <p:nvSpPr>
+          <p:cNvPr id="7" name="Контейнер за съдържание 6">
+            <a:extLst>
+              <a:ext uri="{FF2B5EF4-FFF2-40B4-BE49-F238E27FC236}">
+                <a16:creationId xmlns:a16="http://schemas.microsoft.com/office/drawing/2014/main" id="{E810FF0F-1F2D-4F5C-A9D6-76DA78BA1603}"/>
+              </a:ext>
+            </a:extLst>
+          </p:cNvPr>
+          <p:cNvSpPr>
+            <a:spLocks noGrp="1"/>
+          </p:cNvSpPr>
+          <p:nvPr>
+            <p:ph sz="quarter" idx="15"/>
+          </p:nvPr>
+        </p:nvSpPr>
+        <p:spPr>
+          <a:xfrm>
+            <a:off x="383119" y="3445565"/>
+            <a:ext cx="11417905" cy="2520260"/>
+          </a:xfrm>
+        </p:spPr>
+        <p:txBody>
+          <a:bodyPr/>
+          <a:lstStyle/>
+          <a:p>
+            <a:r>
+              <a:rPr lang="en-US" dirty="0"/>
+              <a:t>Import von…</a:t>
+            </a:r>
+          </a:p>
+          <a:p>
+            <a:pPr marL="457200" indent="-457200">
+              <a:buFont typeface="Arial" panose="020B0604020202020204" pitchFamily="34" charset="0"/>
+              <a:buChar char="•"/>
+            </a:pPr>
+            <a:r>
+              <a:rPr lang="en-US" dirty="0"/>
+              <a:t>.story </a:t>
+            </a:r>
+            <a:r>
+              <a:rPr lang="en-US" dirty="0" err="1"/>
+              <a:t>Dateien</a:t>
+            </a:r>
+            <a:endParaRPr lang="en-US" dirty="0"/>
+          </a:p>
+          <a:p>
+            <a:pPr marL="457200" indent="-457200">
+              <a:buFont typeface="Arial" panose="020B0604020202020204" pitchFamily="34" charset="0"/>
+              <a:buChar char="•"/>
+            </a:pPr>
+            <a:r>
+              <a:rPr lang="de-DE" dirty="0"/>
+              <a:t>.</a:t>
+            </a:r>
+            <a:r>
+              <a:rPr lang="de-DE" dirty="0" err="1"/>
+              <a:t>csv</a:t>
+            </a:r>
+            <a:r>
+              <a:rPr lang="de-DE" dirty="0"/>
+              <a:t> Dateien</a:t>
+            </a:r>
+            <a:endParaRPr lang="en-US" dirty="0"/>
+          </a:p>
+        </p:txBody>
+      </p:sp>
     </p:spTree>
     <p:extLst>
       <p:ext uri="{BB962C8B-B14F-4D97-AF65-F5344CB8AC3E}">
-        <p14:creationId xmlns:p14="http://schemas.microsoft.com/office/powerpoint/2010/main" val="907067521"/>
+        <p14:creationId xmlns:p14="http://schemas.microsoft.com/office/powerpoint/2010/main" val="2804878139"/>
       </p:ext>
     </p:extLst>
   </p:cSld>
@@ -4174,12 +4219,97 @@
           <a:chExt cx="0" cy="0"/>
         </a:xfrm>
       </p:grpSpPr>
+      <p:sp>
+        <p:nvSpPr>
+          <p:cNvPr id="4" name="Заглавие 3">
+            <a:extLst>
+              <a:ext uri="{FF2B5EF4-FFF2-40B4-BE49-F238E27FC236}">
+                <a16:creationId xmlns:a16="http://schemas.microsoft.com/office/drawing/2014/main" id="{F107BE4F-CE35-483F-91E0-3375F637AFCB}"/>
+              </a:ext>
+            </a:extLst>
+          </p:cNvPr>
+          <p:cNvSpPr>
+            <a:spLocks noGrp="1"/>
+          </p:cNvSpPr>
+          <p:nvPr>
+            <p:ph type="title"/>
+          </p:nvPr>
+        </p:nvSpPr>
+        <p:spPr/>
+        <p:txBody>
+          <a:bodyPr>
+            <a:normAutofit/>
+          </a:bodyPr>
+          <a:lstStyle/>
+          <a:p>
+            <a:r>
+              <a:rPr lang="en-US" sz="2800" dirty="0"/>
+              <a:t>Export</a:t>
+            </a:r>
+          </a:p>
+        </p:txBody>
+      </p:sp>
+      <p:sp>
+        <p:nvSpPr>
+          <p:cNvPr id="2" name="Контейнер за долния колонтитул 1">
+            <a:extLst>
+              <a:ext uri="{FF2B5EF4-FFF2-40B4-BE49-F238E27FC236}">
+                <a16:creationId xmlns:a16="http://schemas.microsoft.com/office/drawing/2014/main" id="{7C34C6EE-8DC9-47CD-8AF0-836DDB1C5439}"/>
+              </a:ext>
+            </a:extLst>
+          </p:cNvPr>
+          <p:cNvSpPr>
+            <a:spLocks noGrp="1"/>
+          </p:cNvSpPr>
+          <p:nvPr>
+            <p:ph type="ftr" sz="quarter" idx="13"/>
+          </p:nvPr>
+        </p:nvSpPr>
+        <p:spPr/>
+        <p:txBody>
+          <a:bodyPr/>
+          <a:lstStyle/>
+          <a:p>
+            <a:endParaRPr lang="de-DE" dirty="0"/>
+          </a:p>
+        </p:txBody>
+      </p:sp>
+      <p:sp>
+        <p:nvSpPr>
+          <p:cNvPr id="3" name="Контейнер за номер на слайда 2">
+            <a:extLst>
+              <a:ext uri="{FF2B5EF4-FFF2-40B4-BE49-F238E27FC236}">
+                <a16:creationId xmlns:a16="http://schemas.microsoft.com/office/drawing/2014/main" id="{DF59CBD4-7D45-4C34-9AB0-5867B942F70C}"/>
+              </a:ext>
+            </a:extLst>
+          </p:cNvPr>
+          <p:cNvSpPr>
+            <a:spLocks noGrp="1"/>
+          </p:cNvSpPr>
+          <p:nvPr>
+            <p:ph type="sldNum" sz="quarter" idx="14"/>
+          </p:nvPr>
+        </p:nvSpPr>
+        <p:spPr/>
+        <p:txBody>
+          <a:bodyPr/>
+          <a:lstStyle/>
+          <a:p>
+            <a:fld id="{4506F84E-75D2-4715-B6C6-C971E49CE21A}" type="slidenum">
+              <a:rPr lang="de-DE" smtClean="0"/>
+              <a:pPr/>
+              <a:t>12</a:t>
+            </a:fld>
+            <a:endParaRPr lang="de-DE" dirty="0"/>
+          </a:p>
+        </p:txBody>
+      </p:sp>
       <p:pic>
         <p:nvPicPr>
-          <p:cNvPr id="8" name="Контейнер за съдържание 7">
+          <p:cNvPr id="8" name="Inhaltsplatzhalter 7">
             <a:extLst>
               <a:ext uri="{FF2B5EF4-FFF2-40B4-BE49-F238E27FC236}">
-                <a16:creationId xmlns:a16="http://schemas.microsoft.com/office/drawing/2014/main" id="{1F60A545-43BC-4F55-864F-89A9D18A30DC}"/>
+                <a16:creationId xmlns:a16="http://schemas.microsoft.com/office/drawing/2014/main" id="{D2D79D00-FC01-4F5C-829E-2FEC78E42DFC}"/>
               </a:ext>
             </a:extLst>
           </p:cNvPr>
@@ -4204,71 +4334,15 @@
         </p:blipFill>
         <p:spPr>
           <a:xfrm>
-            <a:off x="3564835" y="1828801"/>
-            <a:ext cx="4903304" cy="2213112"/>
+            <a:off x="1628671" y="884238"/>
+            <a:ext cx="8934658" cy="5081587"/>
           </a:xfrm>
         </p:spPr>
       </p:pic>
-      <p:sp>
-        <p:nvSpPr>
-          <p:cNvPr id="4" name="Контейнер за долния колонтитул 3">
-            <a:extLst>
-              <a:ext uri="{FF2B5EF4-FFF2-40B4-BE49-F238E27FC236}">
-                <a16:creationId xmlns:a16="http://schemas.microsoft.com/office/drawing/2014/main" id="{898AF2F7-1489-4396-AC3E-809F553D9024}"/>
-              </a:ext>
-            </a:extLst>
-          </p:cNvPr>
-          <p:cNvSpPr>
-            <a:spLocks noGrp="1"/>
-          </p:cNvSpPr>
-          <p:nvPr>
-            <p:ph type="ftr" sz="quarter" idx="13"/>
-          </p:nvPr>
-        </p:nvSpPr>
-        <p:spPr/>
-        <p:txBody>
-          <a:bodyPr/>
-          <a:lstStyle/>
-          <a:p>
-            <a:pPr algn="l"/>
-            <a:endParaRPr lang="de-DE" dirty="0"/>
-          </a:p>
-        </p:txBody>
-      </p:sp>
-      <p:sp>
-        <p:nvSpPr>
-          <p:cNvPr id="5" name="Контейнер за номер на слайда 4">
-            <a:extLst>
-              <a:ext uri="{FF2B5EF4-FFF2-40B4-BE49-F238E27FC236}">
-                <a16:creationId xmlns:a16="http://schemas.microsoft.com/office/drawing/2014/main" id="{4123916B-07A6-42E7-A4C8-0A65BE401EFB}"/>
-              </a:ext>
-            </a:extLst>
-          </p:cNvPr>
-          <p:cNvSpPr>
-            <a:spLocks noGrp="1"/>
-          </p:cNvSpPr>
-          <p:nvPr>
-            <p:ph type="sldNum" sz="quarter" idx="14"/>
-          </p:nvPr>
-        </p:nvSpPr>
-        <p:spPr/>
-        <p:txBody>
-          <a:bodyPr/>
-          <a:lstStyle/>
-          <a:p>
-            <a:fld id="{4506F84E-75D2-4715-B6C6-C971E49CE21A}" type="slidenum">
-              <a:rPr lang="de-DE" smtClean="0"/>
-              <a:pPr/>
-              <a:t>12</a:t>
-            </a:fld>
-            <a:endParaRPr lang="de-DE" dirty="0"/>
-          </a:p>
-        </p:txBody>
-      </p:sp>
     </p:spTree>
     <p:extLst>
       <p:ext uri="{BB962C8B-B14F-4D97-AF65-F5344CB8AC3E}">
-        <p14:creationId xmlns:p14="http://schemas.microsoft.com/office/powerpoint/2010/main" val="1536906646"/>
+        <p14:creationId xmlns:p14="http://schemas.microsoft.com/office/powerpoint/2010/main" val="4188653209"/>
       </p:ext>
     </p:extLst>
   </p:cSld>
@@ -4297,6 +4371,261 @@
       </p:grpSpPr>
       <p:sp>
         <p:nvSpPr>
+          <p:cNvPr id="5" name="Заглавие 4">
+            <a:extLst>
+              <a:ext uri="{FF2B5EF4-FFF2-40B4-BE49-F238E27FC236}">
+                <a16:creationId xmlns:a16="http://schemas.microsoft.com/office/drawing/2014/main" id="{6E47550B-D0EE-48AE-A808-31B4B7545900}"/>
+              </a:ext>
+            </a:extLst>
+          </p:cNvPr>
+          <p:cNvSpPr>
+            <a:spLocks noGrp="1"/>
+          </p:cNvSpPr>
+          <p:nvPr>
+            <p:ph type="title"/>
+          </p:nvPr>
+        </p:nvSpPr>
+        <p:spPr/>
+        <p:txBody>
+          <a:bodyPr>
+            <a:normAutofit/>
+          </a:bodyPr>
+          <a:lstStyle/>
+          <a:p>
+            <a:r>
+              <a:rPr lang="en-US" sz="2800" dirty="0" err="1"/>
+              <a:t>Naheliegende</a:t>
+            </a:r>
+            <a:r>
+              <a:rPr lang="en-US" sz="2800" dirty="0"/>
+              <a:t> </a:t>
+            </a:r>
+            <a:r>
+              <a:rPr lang="en-US" sz="2800" dirty="0" err="1"/>
+              <a:t>Erweiterungen</a:t>
+            </a:r>
+            <a:endParaRPr lang="en-US" sz="2800" dirty="0"/>
+          </a:p>
+        </p:txBody>
+      </p:sp>
+      <p:sp>
+        <p:nvSpPr>
+          <p:cNvPr id="6" name="Контейнер за съдържание 5">
+            <a:extLst>
+              <a:ext uri="{FF2B5EF4-FFF2-40B4-BE49-F238E27FC236}">
+                <a16:creationId xmlns:a16="http://schemas.microsoft.com/office/drawing/2014/main" id="{1931EDBB-8A51-4AC7-9C0B-D01548241B42}"/>
+              </a:ext>
+            </a:extLst>
+          </p:cNvPr>
+          <p:cNvSpPr>
+            <a:spLocks noGrp="1"/>
+          </p:cNvSpPr>
+          <p:nvPr>
+            <p:ph sz="quarter" idx="12"/>
+          </p:nvPr>
+        </p:nvSpPr>
+        <p:spPr/>
+        <p:txBody>
+          <a:bodyPr/>
+          <a:lstStyle/>
+          <a:p>
+            <a:pPr marL="457200" indent="-457200">
+              <a:buFont typeface="Arial" panose="020B0604020202020204" pitchFamily="34" charset="0"/>
+              <a:buChar char="•"/>
+            </a:pPr>
+            <a:endParaRPr lang="en-US" dirty="0"/>
+          </a:p>
+          <a:p>
+            <a:pPr marL="457200" indent="-457200">
+              <a:buFont typeface="Arial" panose="020B0604020202020204" pitchFamily="34" charset="0"/>
+              <a:buChar char="•"/>
+            </a:pPr>
+            <a:r>
+              <a:rPr lang="en-US" dirty="0" err="1"/>
+              <a:t>Erweiterungen</a:t>
+            </a:r>
+            <a:r>
+              <a:rPr lang="en-US" dirty="0"/>
+              <a:t> der </a:t>
+            </a:r>
+            <a:r>
+              <a:rPr lang="en-US" dirty="0" err="1"/>
+              <a:t>Suchfunktion</a:t>
+            </a:r>
+            <a:endParaRPr lang="en-US" dirty="0"/>
+          </a:p>
+          <a:p>
+            <a:pPr marL="725488" lvl="1" indent="-457200"/>
+            <a:r>
+              <a:rPr lang="en-US" dirty="0"/>
+              <a:t>Boolean </a:t>
+            </a:r>
+            <a:r>
+              <a:rPr lang="en-US" dirty="0" err="1"/>
+              <a:t>hinzufügen</a:t>
+            </a:r>
+            <a:endParaRPr lang="en-US" dirty="0"/>
+          </a:p>
+          <a:p>
+            <a:pPr marL="725488" lvl="1" indent="-457200"/>
+            <a:r>
+              <a:rPr lang="en-US" dirty="0" err="1"/>
+              <a:t>Typ</a:t>
+            </a:r>
+            <a:r>
+              <a:rPr lang="en-US" dirty="0"/>
+              <a:t> ‘Ort’ auf </a:t>
+            </a:r>
+            <a:r>
+              <a:rPr lang="en-US" dirty="0" err="1"/>
+              <a:t>Umkreis</a:t>
+            </a:r>
+            <a:r>
+              <a:rPr lang="en-US" dirty="0"/>
+              <a:t> </a:t>
+            </a:r>
+            <a:r>
+              <a:rPr lang="en-US" dirty="0" err="1"/>
+              <a:t>umstellen</a:t>
+            </a:r>
+            <a:endParaRPr lang="en-US" dirty="0"/>
+          </a:p>
+          <a:p>
+            <a:pPr marL="457200" indent="-457200">
+              <a:buFont typeface="Arial" panose="020B0604020202020204" pitchFamily="34" charset="0"/>
+              <a:buChar char="•"/>
+            </a:pPr>
+            <a:r>
+              <a:rPr lang="en-US" dirty="0" err="1"/>
+              <a:t>Rekombination</a:t>
+            </a:r>
+            <a:r>
+              <a:rPr lang="en-US" dirty="0"/>
+              <a:t> per </a:t>
+            </a:r>
+            <a:r>
+              <a:rPr lang="en-US" dirty="0" err="1"/>
+              <a:t>Attribut</a:t>
+            </a:r>
+            <a:endParaRPr lang="en-US" dirty="0"/>
+          </a:p>
+          <a:p>
+            <a:pPr marL="457200" indent="-457200">
+              <a:buFont typeface="Arial" panose="020B0604020202020204" pitchFamily="34" charset="0"/>
+              <a:buChar char="•"/>
+            </a:pPr>
+            <a:r>
+              <a:rPr lang="en-US" dirty="0"/>
+              <a:t>Integration von Jenkins, Eureka </a:t>
+            </a:r>
+            <a:r>
+              <a:rPr lang="en-US" dirty="0" err="1"/>
+              <a:t>usw</a:t>
+            </a:r>
+            <a:r>
+              <a:rPr lang="en-US" dirty="0"/>
+              <a:t>. </a:t>
+            </a:r>
+          </a:p>
+          <a:p>
+            <a:pPr marL="457200" indent="-457200">
+              <a:buFont typeface="Arial" panose="020B0604020202020204" pitchFamily="34" charset="0"/>
+              <a:buChar char="•"/>
+            </a:pPr>
+            <a:r>
+              <a:rPr lang="en-US" dirty="0"/>
+              <a:t>Login System</a:t>
+            </a:r>
+          </a:p>
+        </p:txBody>
+      </p:sp>
+      <p:sp>
+        <p:nvSpPr>
+          <p:cNvPr id="2" name="Контейнер за долния колонтитул 1">
+            <a:extLst>
+              <a:ext uri="{FF2B5EF4-FFF2-40B4-BE49-F238E27FC236}">
+                <a16:creationId xmlns:a16="http://schemas.microsoft.com/office/drawing/2014/main" id="{FEE0ACC8-3EDB-48A8-BA09-4D6E02011B4C}"/>
+              </a:ext>
+            </a:extLst>
+          </p:cNvPr>
+          <p:cNvSpPr>
+            <a:spLocks noGrp="1"/>
+          </p:cNvSpPr>
+          <p:nvPr>
+            <p:ph type="ftr" sz="quarter" idx="13"/>
+          </p:nvPr>
+        </p:nvSpPr>
+        <p:spPr/>
+        <p:txBody>
+          <a:bodyPr/>
+          <a:lstStyle/>
+          <a:p>
+            <a:endParaRPr lang="de-DE" dirty="0"/>
+          </a:p>
+        </p:txBody>
+      </p:sp>
+      <p:sp>
+        <p:nvSpPr>
+          <p:cNvPr id="3" name="Контейнер за номер на слайда 2">
+            <a:extLst>
+              <a:ext uri="{FF2B5EF4-FFF2-40B4-BE49-F238E27FC236}">
+                <a16:creationId xmlns:a16="http://schemas.microsoft.com/office/drawing/2014/main" id="{E5C175FF-DBCF-4DC0-8B34-0748575AB137}"/>
+              </a:ext>
+            </a:extLst>
+          </p:cNvPr>
+          <p:cNvSpPr>
+            <a:spLocks noGrp="1"/>
+          </p:cNvSpPr>
+          <p:nvPr>
+            <p:ph type="sldNum" sz="quarter" idx="14"/>
+          </p:nvPr>
+        </p:nvSpPr>
+        <p:spPr/>
+        <p:txBody>
+          <a:bodyPr/>
+          <a:lstStyle/>
+          <a:p>
+            <a:fld id="{4506F84E-75D2-4715-B6C6-C971E49CE21A}" type="slidenum">
+              <a:rPr lang="de-DE" smtClean="0"/>
+              <a:pPr/>
+              <a:t>13</a:t>
+            </a:fld>
+            <a:endParaRPr lang="de-DE" dirty="0"/>
+          </a:p>
+        </p:txBody>
+      </p:sp>
+    </p:spTree>
+    <p:extLst>
+      <p:ext uri="{BB962C8B-B14F-4D97-AF65-F5344CB8AC3E}">
+        <p14:creationId xmlns:p14="http://schemas.microsoft.com/office/powerpoint/2010/main" val="907067521"/>
+      </p:ext>
+    </p:extLst>
+  </p:cSld>
+  <p:clrMapOvr>
+    <a:masterClrMapping/>
+  </p:clrMapOvr>
+</p:sld>
+</file>
+
+<file path=ppt/slides/slide14.xml><?xml version="1.0" encoding="utf-8"?>
+<p:sld xmlns:a="http://schemas.openxmlformats.org/drawingml/2006/main" xmlns:r="http://schemas.openxmlformats.org/officeDocument/2006/relationships" xmlns:p="http://schemas.openxmlformats.org/presentationml/2006/main">
+  <p:cSld>
+    <p:spTree>
+      <p:nvGrpSpPr>
+        <p:cNvPr id="1" name=""/>
+        <p:cNvGrpSpPr/>
+        <p:nvPr/>
+      </p:nvGrpSpPr>
+      <p:grpSpPr>
+        <a:xfrm>
+          <a:off x="0" y="0"/>
+          <a:ext cx="0" cy="0"/>
+          <a:chOff x="0" y="0"/>
+          <a:chExt cx="0" cy="0"/>
+        </a:xfrm>
+      </p:grpSpPr>
+      <p:sp>
+        <p:nvSpPr>
           <p:cNvPr id="2" name="Titel 1"/>
           <p:cNvSpPr>
             <a:spLocks noGrp="1"/>
@@ -4317,27 +4646,65 @@
           <a:p>
             <a:r>
               <a:rPr lang="en-US" dirty="0" err="1"/>
-              <a:t>Danke</a:t>
-            </a:r>
-            <a:r>
-              <a:rPr lang="en-US" dirty="0"/>
-              <a:t> </a:t>
-            </a:r>
+              <a:t>Livedemo</a:t>
+            </a:r>
+            <a:endParaRPr lang="en-US" dirty="0"/>
+          </a:p>
+        </p:txBody>
+      </p:sp>
+    </p:spTree>
+    <p:extLst>
+      <p:ext uri="{BB962C8B-B14F-4D97-AF65-F5344CB8AC3E}">
+        <p14:creationId xmlns:p14="http://schemas.microsoft.com/office/powerpoint/2010/main" val="1341744873"/>
+      </p:ext>
+    </p:extLst>
+  </p:cSld>
+  <p:clrMapOvr>
+    <a:masterClrMapping/>
+  </p:clrMapOvr>
+</p:sld>
+</file>
+
+<file path=ppt/slides/slide15.xml><?xml version="1.0" encoding="utf-8"?>
+<p:sld xmlns:a="http://schemas.openxmlformats.org/drawingml/2006/main" xmlns:r="http://schemas.openxmlformats.org/officeDocument/2006/relationships" xmlns:p="http://schemas.openxmlformats.org/presentationml/2006/main">
+  <p:cSld>
+    <p:spTree>
+      <p:nvGrpSpPr>
+        <p:cNvPr id="1" name=""/>
+        <p:cNvGrpSpPr/>
+        <p:nvPr/>
+      </p:nvGrpSpPr>
+      <p:grpSpPr>
+        <a:xfrm>
+          <a:off x="0" y="0"/>
+          <a:ext cx="0" cy="0"/>
+          <a:chOff x="0" y="0"/>
+          <a:chExt cx="0" cy="0"/>
+        </a:xfrm>
+      </p:grpSpPr>
+      <p:sp>
+        <p:nvSpPr>
+          <p:cNvPr id="2" name="Titel 1"/>
+          <p:cNvSpPr>
+            <a:spLocks noGrp="1"/>
+          </p:cNvSpPr>
+          <p:nvPr>
+            <p:ph type="ctrTitle"/>
+          </p:nvPr>
+        </p:nvSpPr>
+        <p:spPr>
+          <a:xfrm>
+            <a:off x="384000" y="2487600"/>
+            <a:ext cx="11424000" cy="443198"/>
+          </a:xfrm>
+        </p:spPr>
+        <p:txBody>
+          <a:bodyPr/>
+          <a:lstStyle/>
+          <a:p>
             <a:r>
               <a:rPr lang="en-US" dirty="0" err="1"/>
-              <a:t>für</a:t>
-            </a:r>
-            <a:r>
-              <a:rPr lang="en-US" dirty="0"/>
-              <a:t> die </a:t>
-            </a:r>
-            <a:r>
-              <a:rPr lang="en-US" dirty="0" err="1"/>
-              <a:t>Aufmerksamkeit</a:t>
-            </a:r>
-            <a:r>
-              <a:rPr lang="en-US"/>
-              <a:t>!</a:t>
+              <a:t>Fragen</a:t>
             </a:r>
             <a:endParaRPr lang="en-US" dirty="0"/>
           </a:p>
@@ -4397,20 +4764,8 @@
           <a:lstStyle/>
           <a:p>
             <a:r>
-              <a:rPr lang="en-US" sz="2800" dirty="0"/>
-              <a:t>Project LENA </a:t>
-            </a:r>
-            <a:r>
               <a:rPr lang="en-US" sz="2800" dirty="0" err="1"/>
-              <a:t>bis</a:t>
-            </a:r>
-            <a:r>
-              <a:rPr lang="en-US" sz="2800" dirty="0"/>
-              <a:t> </a:t>
-            </a:r>
-            <a:r>
-              <a:rPr lang="en-US" sz="2800" dirty="0" err="1"/>
-              <a:t>heute</a:t>
+              <a:t>Vortragsübersicht</a:t>
             </a:r>
             <a:endParaRPr lang="en-US" sz="2800" dirty="0"/>
           </a:p>
@@ -4437,83 +4792,48 @@
           <a:bodyPr/>
           <a:lstStyle/>
           <a:p>
-            <a:pPr marL="457200" indent="-457200">
-              <a:buFont typeface="Arial" panose="020B0604020202020204" pitchFamily="34" charset="0"/>
-              <a:buChar char="•"/>
+            <a:endParaRPr lang="en-US" dirty="0"/>
+          </a:p>
+          <a:p>
+            <a:pPr marL="514350" indent="-514350">
+              <a:buFont typeface="+mj-lt"/>
+              <a:buAutoNum type="arabicPeriod"/>
             </a:pPr>
+            <a:r>
+              <a:rPr lang="en-US" dirty="0" err="1"/>
+              <a:t>Aufgabenstellung</a:t>
+            </a:r>
             <a:endParaRPr lang="en-US" dirty="0"/>
           </a:p>
           <a:p>
-            <a:pPr marL="457200" indent="-457200">
-              <a:buFont typeface="Arial" panose="020B0604020202020204" pitchFamily="34" charset="0"/>
-              <a:buChar char="•"/>
+            <a:pPr marL="514350" indent="-514350">
+              <a:buFont typeface="+mj-lt"/>
+              <a:buAutoNum type="arabicPeriod"/>
             </a:pPr>
             <a:r>
+              <a:rPr lang="en-US" dirty="0"/>
+              <a:t>Die App</a:t>
+            </a:r>
+          </a:p>
+          <a:p>
+            <a:pPr marL="514350" indent="-514350">
+              <a:buFont typeface="+mj-lt"/>
+              <a:buAutoNum type="arabicPeriod"/>
+            </a:pPr>
+            <a:r>
               <a:rPr lang="en-US" dirty="0" err="1"/>
-              <a:t>Anwendungssysteme</a:t>
-            </a:r>
-            <a:r>
-              <a:rPr lang="en-US" dirty="0"/>
-              <a:t> </a:t>
-            </a:r>
+              <a:t>Livedemo</a:t>
+            </a:r>
+            <a:endParaRPr lang="en-US" dirty="0"/>
+          </a:p>
+          <a:p>
+            <a:pPr marL="514350" indent="-514350">
+              <a:buFont typeface="+mj-lt"/>
+              <a:buAutoNum type="arabicPeriod"/>
+            </a:pPr>
             <a:r>
               <a:rPr lang="en-US" dirty="0" err="1"/>
-              <a:t>für</a:t>
-            </a:r>
-            <a:r>
-              <a:rPr lang="en-US" dirty="0"/>
-              <a:t> </a:t>
-            </a:r>
-            <a:r>
-              <a:rPr lang="en-US" dirty="0" err="1"/>
-              <a:t>Versicherungen</a:t>
-            </a:r>
-            <a:r>
-              <a:rPr lang="en-US" dirty="0"/>
-              <a:t> </a:t>
-            </a:r>
-            <a:r>
-              <a:rPr lang="en-US" dirty="0" err="1"/>
-              <a:t>testen</a:t>
-            </a:r>
-            <a:endParaRPr lang="en-US" dirty="0"/>
-          </a:p>
-          <a:p>
-            <a:pPr marL="457200" indent="-457200">
-              <a:buFont typeface="Arial" panose="020B0604020202020204" pitchFamily="34" charset="0"/>
-              <a:buChar char="•"/>
-            </a:pPr>
-            <a:r>
-              <a:rPr lang="en-US" dirty="0"/>
-              <a:t>D</a:t>
-            </a:r>
-            <a:r>
-              <a:rPr lang="de-DE"/>
-              <a:t>er </a:t>
-            </a:r>
-            <a:r>
-              <a:rPr lang="de-DE" dirty="0"/>
-              <a:t>gleiche Bearbeitungsauftrag mehrmals mit verschiedenen Datenkonstellationen getestet werden</a:t>
-            </a:r>
-          </a:p>
-          <a:p>
-            <a:pPr marL="457200" indent="-457200">
-              <a:buFont typeface="Arial" panose="020B0604020202020204" pitchFamily="34" charset="0"/>
-              <a:buChar char="•"/>
-            </a:pPr>
-            <a:r>
-              <a:rPr lang="de-DE" dirty="0"/>
-              <a:t>Zurzeit – die Datenkonstellationen werden in CSV Dateien gespeichert:</a:t>
-            </a:r>
-          </a:p>
-          <a:p>
-            <a:r>
-              <a:rPr lang="en-US" dirty="0"/>
-              <a:t>      </a:t>
-            </a:r>
-            <a:r>
-              <a:rPr lang="de-DE" dirty="0"/>
-              <a:t>sehr unübersichtlich und wartungsintensiv</a:t>
+              <a:t>Fragen</a:t>
             </a:r>
             <a:endParaRPr lang="en-US" dirty="0"/>
           </a:p>
@@ -4577,7 +4897,7 @@
     </p:spTree>
     <p:extLst>
       <p:ext uri="{BB962C8B-B14F-4D97-AF65-F5344CB8AC3E}">
-        <p14:creationId xmlns:p14="http://schemas.microsoft.com/office/powerpoint/2010/main" val="559930532"/>
+        <p14:creationId xmlns:p14="http://schemas.microsoft.com/office/powerpoint/2010/main" val="1846049833"/>
       </p:ext>
     </p:extLst>
   </p:cSld>
@@ -4606,243 +4926,36 @@
       </p:grpSpPr>
       <p:sp>
         <p:nvSpPr>
-          <p:cNvPr id="2" name="Title 1"/>
-          <p:cNvSpPr>
-            <a:spLocks noGrp="1"/>
-          </p:cNvSpPr>
-          <p:nvPr>
-            <p:ph type="title"/>
-          </p:nvPr>
-        </p:nvSpPr>
-        <p:spPr/>
-        <p:txBody>
-          <a:bodyPr>
-            <a:normAutofit/>
-          </a:bodyPr>
-          <a:lstStyle/>
-          <a:p>
-            <a:r>
-              <a:rPr lang="en-US" sz="2800" dirty="0" err="1"/>
-              <a:t>Wie</a:t>
-            </a:r>
-            <a:r>
-              <a:rPr lang="en-US" sz="2800" dirty="0"/>
-              <a:t> k</a:t>
-            </a:r>
-            <a:r>
-              <a:rPr lang="de-DE" sz="2800" dirty="0" err="1"/>
-              <a:t>önnen</a:t>
-            </a:r>
-            <a:r>
-              <a:rPr lang="de-DE" sz="2800" dirty="0"/>
-              <a:t> wir das verbessern</a:t>
-            </a:r>
-            <a:r>
-              <a:rPr lang="en-US" sz="2800" dirty="0"/>
-              <a:t>?</a:t>
-            </a:r>
-            <a:endParaRPr lang="bg-BG" sz="2800" dirty="0"/>
-          </a:p>
-        </p:txBody>
-      </p:sp>
-      <p:sp>
-        <p:nvSpPr>
-          <p:cNvPr id="3" name="Content Placeholder 2"/>
-          <p:cNvSpPr>
-            <a:spLocks noGrp="1"/>
-          </p:cNvSpPr>
-          <p:nvPr>
-            <p:ph sz="quarter" idx="12"/>
-          </p:nvPr>
-        </p:nvSpPr>
-        <p:spPr/>
+          <p:cNvPr id="2" name="Titel 1"/>
+          <p:cNvSpPr>
+            <a:spLocks noGrp="1"/>
+          </p:cNvSpPr>
+          <p:nvPr>
+            <p:ph type="ctrTitle"/>
+          </p:nvPr>
+        </p:nvSpPr>
+        <p:spPr>
+          <a:xfrm>
+            <a:off x="384000" y="2487600"/>
+            <a:ext cx="11424000" cy="443198"/>
+          </a:xfrm>
+        </p:spPr>
         <p:txBody>
           <a:bodyPr/>
           <a:lstStyle/>
           <a:p>
+            <a:r>
+              <a:rPr lang="en-US" dirty="0" err="1"/>
+              <a:t>Aufgabenstellung</a:t>
+            </a:r>
             <a:endParaRPr lang="en-US" dirty="0"/>
-          </a:p>
-          <a:p>
-            <a:r>
-              <a:rPr lang="en-US" dirty="0"/>
-              <a:t>Ein Web-</a:t>
-            </a:r>
-            <a:r>
-              <a:rPr lang="en-US" dirty="0" err="1"/>
-              <a:t>basiertes</a:t>
-            </a:r>
-            <a:r>
-              <a:rPr lang="en-US" dirty="0"/>
-              <a:t> System </a:t>
-            </a:r>
-            <a:r>
-              <a:rPr lang="en-US" dirty="0" err="1"/>
-              <a:t>zur</a:t>
-            </a:r>
-            <a:r>
-              <a:rPr lang="en-US" dirty="0"/>
-              <a:t> </a:t>
-            </a:r>
-            <a:r>
-              <a:rPr lang="en-US" dirty="0" err="1"/>
-              <a:t>Verwaltung</a:t>
-            </a:r>
-            <a:r>
-              <a:rPr lang="en-US" dirty="0"/>
-              <a:t> von Tests </a:t>
-            </a:r>
-            <a:r>
-              <a:rPr lang="en-US" dirty="0" err="1"/>
-              <a:t>entwickeln</a:t>
-            </a:r>
-            <a:r>
-              <a:rPr lang="en-US" dirty="0"/>
-              <a:t>, das:</a:t>
-            </a:r>
-          </a:p>
-          <a:p>
-            <a:pPr marL="457200" indent="-457200">
-              <a:buFont typeface="Arial" panose="020B0604020202020204" pitchFamily="34" charset="0"/>
-              <a:buChar char="•"/>
-            </a:pPr>
-            <a:r>
-              <a:rPr lang="en-US" dirty="0"/>
-              <a:t>CSV-</a:t>
-            </a:r>
-            <a:r>
-              <a:rPr lang="en-US" dirty="0" err="1"/>
-              <a:t>Dateien</a:t>
-            </a:r>
-            <a:r>
-              <a:rPr lang="en-US" dirty="0"/>
-              <a:t> </a:t>
-            </a:r>
-            <a:r>
-              <a:rPr lang="en-US" dirty="0" err="1"/>
-              <a:t>mit</a:t>
-            </a:r>
-            <a:r>
-              <a:rPr lang="en-US" dirty="0"/>
-              <a:t> </a:t>
-            </a:r>
-            <a:r>
-              <a:rPr lang="en-US" dirty="0" err="1"/>
-              <a:t>Testdaten</a:t>
-            </a:r>
-            <a:r>
-              <a:rPr lang="en-US" dirty="0"/>
-              <a:t> </a:t>
-            </a:r>
-            <a:r>
-              <a:rPr lang="en-US" dirty="0" err="1"/>
-              <a:t>im</a:t>
-            </a:r>
-            <a:r>
-              <a:rPr lang="en-US" dirty="0"/>
-              <a:t> Frontend </a:t>
-            </a:r>
-            <a:r>
-              <a:rPr lang="en-US" dirty="0" err="1"/>
-              <a:t>importiert</a:t>
-            </a:r>
-            <a:r>
-              <a:rPr lang="en-US" dirty="0"/>
-              <a:t> und in </a:t>
-            </a:r>
-            <a:r>
-              <a:rPr lang="en-US" dirty="0" err="1"/>
-              <a:t>einer</a:t>
-            </a:r>
-            <a:r>
-              <a:rPr lang="en-US" dirty="0"/>
-              <a:t> </a:t>
-            </a:r>
-            <a:r>
-              <a:rPr lang="en-US" dirty="0" err="1"/>
-              <a:t>Datenbank</a:t>
-            </a:r>
-            <a:r>
-              <a:rPr lang="en-US" dirty="0"/>
-              <a:t> </a:t>
-            </a:r>
-            <a:r>
-              <a:rPr lang="en-US" dirty="0" err="1"/>
-              <a:t>speichert</a:t>
-            </a:r>
-            <a:endParaRPr lang="en-US" dirty="0"/>
-          </a:p>
-          <a:p>
-            <a:pPr lvl="1"/>
-            <a:r>
-              <a:rPr lang="de-DE" dirty="0"/>
-              <a:t>  neue Testfälle erzeugt und bestehende verändert</a:t>
-            </a:r>
-            <a:endParaRPr lang="en-US" dirty="0"/>
-          </a:p>
-          <a:p>
-            <a:pPr lvl="1"/>
-            <a:r>
-              <a:rPr lang="de-DE" dirty="0"/>
-              <a:t>  gespeicherte Testfälle exportiert</a:t>
-            </a:r>
-            <a:endParaRPr lang="en-US" dirty="0"/>
-          </a:p>
-          <a:p>
-            <a:pPr marL="0" lvl="1" indent="0">
-              <a:buNone/>
-            </a:pPr>
-            <a:endParaRPr lang="en-US" dirty="0"/>
-          </a:p>
-        </p:txBody>
-      </p:sp>
-      <p:sp>
-        <p:nvSpPr>
-          <p:cNvPr id="4" name="Footer Placeholder 3"/>
-          <p:cNvSpPr>
-            <a:spLocks noGrp="1"/>
-          </p:cNvSpPr>
-          <p:nvPr>
-            <p:ph type="ftr" sz="quarter" idx="13"/>
-          </p:nvPr>
-        </p:nvSpPr>
-        <p:spPr/>
-        <p:txBody>
-          <a:bodyPr/>
-          <a:lstStyle/>
-          <a:p>
-            <a:pPr algn="l"/>
-            <a:endParaRPr lang="de-DE" dirty="0"/>
-          </a:p>
-        </p:txBody>
-      </p:sp>
-      <p:sp>
-        <p:nvSpPr>
-          <p:cNvPr id="5" name="Slide Number Placeholder 4"/>
-          <p:cNvSpPr>
-            <a:spLocks noGrp="1"/>
-          </p:cNvSpPr>
-          <p:nvPr>
-            <p:ph type="sldNum" sz="quarter" idx="14"/>
-          </p:nvPr>
-        </p:nvSpPr>
-        <p:spPr/>
-        <p:txBody>
-          <a:bodyPr/>
-          <a:lstStyle/>
-          <a:p>
-            <a:fld id="{4506F84E-75D2-4715-B6C6-C971E49CE21A}" type="slidenum">
-              <a:rPr lang="de-DE" smtClean="0"/>
-              <a:pPr/>
-              <a:t>3</a:t>
-            </a:fld>
-            <a:endParaRPr lang="de-DE" dirty="0"/>
           </a:p>
         </p:txBody>
       </p:sp>
     </p:spTree>
     <p:extLst>
       <p:ext uri="{BB962C8B-B14F-4D97-AF65-F5344CB8AC3E}">
-        <p14:creationId xmlns:p14="http://schemas.microsoft.com/office/powerpoint/2010/main" val="2462763281"/>
+        <p14:creationId xmlns:p14="http://schemas.microsoft.com/office/powerpoint/2010/main" val="351158312"/>
       </p:ext>
     </p:extLst>
   </p:cSld>
@@ -4871,43 +4984,205 @@
       </p:grpSpPr>
       <p:sp>
         <p:nvSpPr>
-          <p:cNvPr id="2" name="Titel 1"/>
-          <p:cNvSpPr>
-            <a:spLocks noGrp="1"/>
-          </p:cNvSpPr>
-          <p:nvPr>
-            <p:ph type="ctrTitle"/>
-          </p:nvPr>
-        </p:nvSpPr>
-        <p:spPr>
-          <a:xfrm>
-            <a:off x="384000" y="2487600"/>
-            <a:ext cx="11424000" cy="443198"/>
-          </a:xfrm>
-        </p:spPr>
+          <p:cNvPr id="5" name="Заглавие 4">
+            <a:extLst>
+              <a:ext uri="{FF2B5EF4-FFF2-40B4-BE49-F238E27FC236}">
+                <a16:creationId xmlns:a16="http://schemas.microsoft.com/office/drawing/2014/main" id="{6E47550B-D0EE-48AE-A808-31B4B7545900}"/>
+              </a:ext>
+            </a:extLst>
+          </p:cNvPr>
+          <p:cNvSpPr>
+            <a:spLocks noGrp="1"/>
+          </p:cNvSpPr>
+          <p:nvPr>
+            <p:ph type="title"/>
+          </p:nvPr>
+        </p:nvSpPr>
+        <p:spPr/>
+        <p:txBody>
+          <a:bodyPr>
+            <a:normAutofit/>
+          </a:bodyPr>
+          <a:lstStyle/>
+          <a:p>
+            <a:r>
+              <a:rPr lang="en-US" sz="2800" dirty="0"/>
+              <a:t>Project LENA </a:t>
+            </a:r>
+            <a:r>
+              <a:rPr lang="en-US" sz="2800" dirty="0" err="1"/>
+              <a:t>bis</a:t>
+            </a:r>
+            <a:r>
+              <a:rPr lang="en-US" sz="2800" dirty="0"/>
+              <a:t> </a:t>
+            </a:r>
+            <a:r>
+              <a:rPr lang="en-US" sz="2800" dirty="0" err="1"/>
+              <a:t>heute</a:t>
+            </a:r>
+            <a:endParaRPr lang="en-US" sz="2800" dirty="0"/>
+          </a:p>
+        </p:txBody>
+      </p:sp>
+      <p:sp>
+        <p:nvSpPr>
+          <p:cNvPr id="6" name="Контейнер за съдържание 5">
+            <a:extLst>
+              <a:ext uri="{FF2B5EF4-FFF2-40B4-BE49-F238E27FC236}">
+                <a16:creationId xmlns:a16="http://schemas.microsoft.com/office/drawing/2014/main" id="{1931EDBB-8A51-4AC7-9C0B-D01548241B42}"/>
+              </a:ext>
+            </a:extLst>
+          </p:cNvPr>
+          <p:cNvSpPr>
+            <a:spLocks noGrp="1"/>
+          </p:cNvSpPr>
+          <p:nvPr>
+            <p:ph sz="quarter" idx="12"/>
+          </p:nvPr>
+        </p:nvSpPr>
+        <p:spPr/>
         <p:txBody>
           <a:bodyPr/>
           <a:lstStyle/>
           <a:p>
+            <a:pPr marL="457200" indent="-457200">
+              <a:buFont typeface="Arial" panose="020B0604020202020204" pitchFamily="34" charset="0"/>
+              <a:buChar char="•"/>
+            </a:pPr>
+            <a:endParaRPr lang="en-US" dirty="0"/>
+          </a:p>
+          <a:p>
+            <a:pPr marL="457200" indent="-457200">
+              <a:buFont typeface="Arial" panose="020B0604020202020204" pitchFamily="34" charset="0"/>
+              <a:buChar char="•"/>
+            </a:pPr>
+            <a:r>
+              <a:rPr lang="en-US" dirty="0" err="1"/>
+              <a:t>Anwendungssysteme</a:t>
+            </a:r>
             <a:r>
               <a:rPr lang="en-US" dirty="0"/>
-              <a:t>Das Web-</a:t>
+              <a:t> </a:t>
             </a:r>
             <a:r>
               <a:rPr lang="en-US" dirty="0" err="1"/>
-              <a:t>basierte</a:t>
+              <a:t>für</a:t>
             </a:r>
             <a:r>
               <a:rPr lang="en-US" dirty="0"/>
-              <a:t> System</a:t>
-            </a:r>
+              <a:t> </a:t>
+            </a:r>
+            <a:r>
+              <a:rPr lang="en-US" dirty="0" err="1"/>
+              <a:t>Versicherungen</a:t>
+            </a:r>
+            <a:r>
+              <a:rPr lang="en-US" dirty="0"/>
+              <a:t> </a:t>
+            </a:r>
+            <a:r>
+              <a:rPr lang="en-US" dirty="0" err="1"/>
+              <a:t>testen</a:t>
+            </a:r>
+            <a:endParaRPr lang="en-US" dirty="0"/>
+          </a:p>
+          <a:p>
+            <a:pPr marL="457200" indent="-457200">
+              <a:buFont typeface="Arial" panose="020B0604020202020204" pitchFamily="34" charset="0"/>
+              <a:buChar char="•"/>
+            </a:pPr>
+            <a:r>
+              <a:rPr lang="en-US" dirty="0"/>
+              <a:t>D</a:t>
+            </a:r>
+            <a:r>
+              <a:rPr lang="de-DE" dirty="0"/>
+              <a:t>er gleiche Bearbeitungsauftrag mehrmals mit verschiedenen Datenkonstellationen getestet werden</a:t>
+            </a:r>
+          </a:p>
+          <a:p>
+            <a:pPr marL="457200" indent="-457200">
+              <a:buFont typeface="Arial" panose="020B0604020202020204" pitchFamily="34" charset="0"/>
+              <a:buChar char="•"/>
+            </a:pPr>
+            <a:r>
+              <a:rPr lang="de-DE" dirty="0"/>
+              <a:t>Zurzeit – die Datenkonstellationen werden in CSV Dateien gespeichert:</a:t>
+            </a:r>
+          </a:p>
+          <a:p>
+            <a:r>
+              <a:rPr lang="en-US" dirty="0"/>
+              <a:t>      </a:t>
+            </a:r>
+            <a:r>
+              <a:rPr lang="de-DE" dirty="0"/>
+              <a:t>sehr unübersichtlich und wartungsintensiv</a:t>
+            </a:r>
+            <a:endParaRPr lang="en-US" dirty="0"/>
+          </a:p>
+        </p:txBody>
+      </p:sp>
+      <p:sp>
+        <p:nvSpPr>
+          <p:cNvPr id="2" name="Контейнер за долния колонтитул 1">
+            <a:extLst>
+              <a:ext uri="{FF2B5EF4-FFF2-40B4-BE49-F238E27FC236}">
+                <a16:creationId xmlns:a16="http://schemas.microsoft.com/office/drawing/2014/main" id="{FEE0ACC8-3EDB-48A8-BA09-4D6E02011B4C}"/>
+              </a:ext>
+            </a:extLst>
+          </p:cNvPr>
+          <p:cNvSpPr>
+            <a:spLocks noGrp="1"/>
+          </p:cNvSpPr>
+          <p:nvPr>
+            <p:ph type="ftr" sz="quarter" idx="13"/>
+          </p:nvPr>
+        </p:nvSpPr>
+        <p:spPr/>
+        <p:txBody>
+          <a:bodyPr/>
+          <a:lstStyle/>
+          <a:p>
+            <a:endParaRPr lang="de-DE" dirty="0"/>
+          </a:p>
+        </p:txBody>
+      </p:sp>
+      <p:sp>
+        <p:nvSpPr>
+          <p:cNvPr id="3" name="Контейнер за номер на слайда 2">
+            <a:extLst>
+              <a:ext uri="{FF2B5EF4-FFF2-40B4-BE49-F238E27FC236}">
+                <a16:creationId xmlns:a16="http://schemas.microsoft.com/office/drawing/2014/main" id="{E5C175FF-DBCF-4DC0-8B34-0748575AB137}"/>
+              </a:ext>
+            </a:extLst>
+          </p:cNvPr>
+          <p:cNvSpPr>
+            <a:spLocks noGrp="1"/>
+          </p:cNvSpPr>
+          <p:nvPr>
+            <p:ph type="sldNum" sz="quarter" idx="14"/>
+          </p:nvPr>
+        </p:nvSpPr>
+        <p:spPr/>
+        <p:txBody>
+          <a:bodyPr/>
+          <a:lstStyle/>
+          <a:p>
+            <a:fld id="{4506F84E-75D2-4715-B6C6-C971E49CE21A}" type="slidenum">
+              <a:rPr lang="de-DE" smtClean="0"/>
+              <a:pPr/>
+              <a:t>4</a:t>
+            </a:fld>
+            <a:endParaRPr lang="de-DE" dirty="0"/>
           </a:p>
         </p:txBody>
       </p:sp>
     </p:spTree>
     <p:extLst>
       <p:ext uri="{BB962C8B-B14F-4D97-AF65-F5344CB8AC3E}">
-        <p14:creationId xmlns:p14="http://schemas.microsoft.com/office/powerpoint/2010/main" val="4293155205"/>
+        <p14:creationId xmlns:p14="http://schemas.microsoft.com/office/powerpoint/2010/main" val="559930532"/>
       </p:ext>
     </p:extLst>
   </p:cSld>
@@ -4936,13 +5211,7 @@
       </p:grpSpPr>
       <p:sp>
         <p:nvSpPr>
-          <p:cNvPr id="5" name="Заглавие 4">
-            <a:extLst>
-              <a:ext uri="{FF2B5EF4-FFF2-40B4-BE49-F238E27FC236}">
-                <a16:creationId xmlns:a16="http://schemas.microsoft.com/office/drawing/2014/main" id="{6E47550B-D0EE-48AE-A808-31B4B7545900}"/>
-              </a:ext>
-            </a:extLst>
-          </p:cNvPr>
+          <p:cNvPr id="2" name="Title 1"/>
           <p:cNvSpPr>
             <a:spLocks noGrp="1"/>
           </p:cNvSpPr>
@@ -4959,32 +5228,31 @@
           <a:p>
             <a:r>
               <a:rPr lang="en-US" sz="2800" dirty="0" err="1"/>
-              <a:t>Technologien</a:t>
+              <a:t>Wie</a:t>
             </a:r>
             <a:r>
               <a:rPr lang="en-US" sz="2800" dirty="0"/>
-              <a:t> und </a:t>
-            </a:r>
-            <a:r>
-              <a:rPr lang="en-US" sz="2800" dirty="0" err="1"/>
-              <a:t>Entwicklungsmethode</a:t>
+              <a:t> k</a:t>
+            </a:r>
+            <a:r>
+              <a:rPr lang="de-DE" sz="2800" dirty="0" err="1"/>
+              <a:t>önnen</a:t>
+            </a:r>
+            <a:r>
+              <a:rPr lang="de-DE" sz="2800" dirty="0"/>
+              <a:t> wir das verbessern</a:t>
             </a:r>
             <a:r>
               <a:rPr lang="en-US" sz="2800" dirty="0"/>
-              <a:t> </a:t>
-            </a:r>
-          </a:p>
-        </p:txBody>
-      </p:sp>
-      <p:sp>
-        <p:nvSpPr>
-          <p:cNvPr id="6" name="Контейнер за съдържание 5">
-            <a:extLst>
-              <a:ext uri="{FF2B5EF4-FFF2-40B4-BE49-F238E27FC236}">
-                <a16:creationId xmlns:a16="http://schemas.microsoft.com/office/drawing/2014/main" id="{1931EDBB-8A51-4AC7-9C0B-D01548241B42}"/>
-              </a:ext>
-            </a:extLst>
-          </p:cNvPr>
+              <a:t>?</a:t>
+            </a:r>
+            <a:endParaRPr lang="bg-BG" sz="2800" dirty="0"/>
+          </a:p>
+        </p:txBody>
+      </p:sp>
+      <p:sp>
+        <p:nvSpPr>
+          <p:cNvPr id="3" name="Content Placeholder 2"/>
           <p:cNvSpPr>
             <a:spLocks noGrp="1"/>
           </p:cNvSpPr>
@@ -4996,6 +5264,47 @@
         <p:txBody>
           <a:bodyPr/>
           <a:lstStyle/>
+          <a:p>
+            <a:endParaRPr lang="en-US" dirty="0"/>
+          </a:p>
+          <a:p>
+            <a:r>
+              <a:rPr lang="en-US" dirty="0"/>
+              <a:t>Ein Web-</a:t>
+            </a:r>
+            <a:r>
+              <a:rPr lang="en-US" dirty="0" err="1"/>
+              <a:t>basiertes</a:t>
+            </a:r>
+            <a:r>
+              <a:rPr lang="en-US" dirty="0"/>
+              <a:t> System </a:t>
+            </a:r>
+            <a:r>
+              <a:rPr lang="en-US" dirty="0" err="1"/>
+              <a:t>zur</a:t>
+            </a:r>
+            <a:r>
+              <a:rPr lang="en-US" dirty="0"/>
+              <a:t> </a:t>
+            </a:r>
+            <a:r>
+              <a:rPr lang="en-US" dirty="0" err="1"/>
+              <a:t>Verwaltung</a:t>
+            </a:r>
+            <a:r>
+              <a:rPr lang="en-US" dirty="0"/>
+              <a:t> von Tests </a:t>
+            </a:r>
+            <a:r>
+              <a:rPr lang="en-US" dirty="0" err="1"/>
+              <a:t>entwickeln</a:t>
+            </a:r>
+            <a:r>
+              <a:rPr lang="en-US" dirty="0"/>
+              <a:t>, das:</a:t>
+            </a:r>
+          </a:p>
           <a:p>
             <a:pPr marL="457200" indent="-457200">
               <a:buFont typeface="Arial" panose="020B0604020202020204" pitchFamily="34" charset="0"/>
@@ -5003,73 +5312,11 @@
             </a:pPr>
             <a:r>
               <a:rPr lang="en-US" dirty="0"/>
-              <a:t>Angular JS Node app </a:t>
+              <a:t>CSV-</a:t>
             </a:r>
             <a:r>
               <a:rPr lang="en-US" dirty="0" err="1"/>
-              <a:t>für</a:t>
-            </a:r>
-            <a:r>
-              <a:rPr lang="en-US" dirty="0"/>
-              <a:t> das Frontend</a:t>
-            </a:r>
-          </a:p>
-          <a:p>
-            <a:pPr marL="457200" indent="-457200">
-              <a:buFont typeface="Arial" panose="020B0604020202020204" pitchFamily="34" charset="0"/>
-              <a:buChar char="•"/>
-            </a:pPr>
-            <a:r>
-              <a:rPr lang="en-US" dirty="0" err="1"/>
-              <a:t>Pytho</a:t>
-            </a:r>
-            <a:r>
-              <a:rPr lang="de-DE" dirty="0"/>
-              <a:t>n (Flask) API für Kommunikation zwischen Frontend und Backend Microservices</a:t>
-            </a:r>
-          </a:p>
-          <a:p>
-            <a:pPr marL="457200" indent="-457200">
-              <a:buFont typeface="Arial" panose="020B0604020202020204" pitchFamily="34" charset="0"/>
-              <a:buChar char="•"/>
-            </a:pPr>
-            <a:r>
-              <a:rPr lang="de-DE" dirty="0"/>
-              <a:t>Spring Boot Microservices (Importer, Exporter, Database) mit Devtools</a:t>
-            </a:r>
-          </a:p>
-          <a:p>
-            <a:pPr marL="457200" indent="-457200">
-              <a:buFont typeface="Arial" panose="020B0604020202020204" pitchFamily="34" charset="0"/>
-              <a:buChar char="•"/>
-            </a:pPr>
-            <a:r>
-              <a:rPr lang="de-DE" dirty="0"/>
-              <a:t>Hibernate + MySQL Datenbank </a:t>
-            </a:r>
-          </a:p>
-          <a:p>
-            <a:pPr marL="457200" indent="-457200">
-              <a:buFont typeface="Arial" panose="020B0604020202020204" pitchFamily="34" charset="0"/>
-              <a:buChar char="•"/>
-            </a:pPr>
-            <a:r>
-              <a:rPr lang="de-DE" dirty="0"/>
-              <a:t>Docker für Deployment</a:t>
-            </a:r>
-          </a:p>
-          <a:p>
-            <a:pPr marL="457200" indent="-457200">
-              <a:buFont typeface="Arial" panose="020B0604020202020204" pitchFamily="34" charset="0"/>
-              <a:buChar char="•"/>
-            </a:pPr>
-            <a:r>
-              <a:rPr lang="en-US" dirty="0"/>
-              <a:t>Scrum </a:t>
-            </a:r>
-            <a:r>
-              <a:rPr lang="en-US" dirty="0" err="1"/>
-              <a:t>als</a:t>
+              <a:t>Dateien</a:t>
             </a:r>
             <a:r>
               <a:rPr lang="en-US" dirty="0"/>
@@ -5077,7 +5324,7 @@
             </a:r>
             <a:r>
               <a:rPr lang="en-US" dirty="0" err="1"/>
-              <a:t>Entwicklungsmethode</a:t>
+              <a:t>mit</a:t>
             </a:r>
             <a:r>
               <a:rPr lang="en-US" dirty="0"/>
@@ -5085,27 +5332,77 @@
             </a:r>
             <a:r>
               <a:rPr lang="en-US" dirty="0" err="1"/>
-              <a:t>für</a:t>
+              <a:t>Testdaten</a:t>
             </a:r>
             <a:r>
               <a:rPr lang="en-US" dirty="0"/>
-              <a:t> das Team</a:t>
-            </a:r>
-          </a:p>
-          <a:p>
+              <a:t> </a:t>
+            </a:r>
+            <a:r>
+              <a:rPr lang="en-US" dirty="0" err="1"/>
+              <a:t>im</a:t>
+            </a:r>
+            <a:r>
+              <a:rPr lang="en-US" dirty="0"/>
+              <a:t> Frontend </a:t>
+            </a:r>
+            <a:r>
+              <a:rPr lang="en-US" dirty="0" err="1"/>
+              <a:t>importieren</a:t>
+            </a:r>
+            <a:r>
+              <a:rPr lang="en-US" dirty="0"/>
+              <a:t> und in </a:t>
+            </a:r>
+            <a:r>
+              <a:rPr lang="en-US" dirty="0" err="1"/>
+              <a:t>einer</a:t>
+            </a:r>
+            <a:r>
+              <a:rPr lang="en-US" dirty="0"/>
+              <a:t> </a:t>
+            </a:r>
+            <a:r>
+              <a:rPr lang="en-US" dirty="0" err="1"/>
+              <a:t>Datenbank</a:t>
+            </a:r>
+            <a:r>
+              <a:rPr lang="en-US" dirty="0"/>
+              <a:t> </a:t>
+            </a:r>
+            <a:r>
+              <a:rPr lang="en-US" dirty="0" err="1"/>
+              <a:t>speichern</a:t>
+            </a:r>
             <a:endParaRPr lang="en-US" dirty="0"/>
           </a:p>
-        </p:txBody>
-      </p:sp>
-      <p:sp>
-        <p:nvSpPr>
-          <p:cNvPr id="2" name="Контейнер за долния колонтитул 1">
-            <a:extLst>
-              <a:ext uri="{FF2B5EF4-FFF2-40B4-BE49-F238E27FC236}">
-                <a16:creationId xmlns:a16="http://schemas.microsoft.com/office/drawing/2014/main" id="{FEE0ACC8-3EDB-48A8-BA09-4D6E02011B4C}"/>
-              </a:ext>
-            </a:extLst>
-          </p:cNvPr>
+          <a:p>
+            <a:pPr lvl="1"/>
+            <a:r>
+              <a:rPr lang="de-DE" dirty="0"/>
+              <a:t>  neue Testfälle erzeugen und bestehende verändern</a:t>
+            </a:r>
+            <a:endParaRPr lang="en-US" dirty="0"/>
+          </a:p>
+          <a:p>
+            <a:pPr lvl="1"/>
+            <a:r>
+              <a:rPr lang="de-DE" dirty="0"/>
+              <a:t>  gespeicherte Testfälle exportieren</a:t>
+            </a:r>
+            <a:endParaRPr lang="en-US" dirty="0"/>
+          </a:p>
+          <a:p>
+            <a:pPr marL="0" lvl="1" indent="0">
+              <a:buNone/>
+            </a:pPr>
+            <a:endParaRPr lang="en-US" dirty="0"/>
+          </a:p>
+        </p:txBody>
+      </p:sp>
+      <p:sp>
+        <p:nvSpPr>
+          <p:cNvPr id="4" name="Footer Placeholder 3"/>
           <p:cNvSpPr>
             <a:spLocks noGrp="1"/>
           </p:cNvSpPr>
@@ -5118,19 +5415,14 @@
           <a:bodyPr/>
           <a:lstStyle/>
           <a:p>
+            <a:pPr algn="l"/>
             <a:endParaRPr lang="de-DE" dirty="0"/>
           </a:p>
         </p:txBody>
       </p:sp>
       <p:sp>
         <p:nvSpPr>
-          <p:cNvPr id="3" name="Контейнер за номер на слайда 2">
-            <a:extLst>
-              <a:ext uri="{FF2B5EF4-FFF2-40B4-BE49-F238E27FC236}">
-                <a16:creationId xmlns:a16="http://schemas.microsoft.com/office/drawing/2014/main" id="{E5C175FF-DBCF-4DC0-8B34-0748575AB137}"/>
-              </a:ext>
-            </a:extLst>
-          </p:cNvPr>
+          <p:cNvPr id="5" name="Slide Number Placeholder 4"/>
           <p:cNvSpPr>
             <a:spLocks noGrp="1"/>
           </p:cNvSpPr>
@@ -5155,7 +5447,7 @@
     </p:spTree>
     <p:extLst>
       <p:ext uri="{BB962C8B-B14F-4D97-AF65-F5344CB8AC3E}">
-        <p14:creationId xmlns:p14="http://schemas.microsoft.com/office/powerpoint/2010/main" val="3810238228"/>
+        <p14:creationId xmlns:p14="http://schemas.microsoft.com/office/powerpoint/2010/main" val="2462763281"/>
       </p:ext>
     </p:extLst>
   </p:cSld>
@@ -5184,6 +5476,305 @@
       </p:grpSpPr>
       <p:sp>
         <p:nvSpPr>
+          <p:cNvPr id="2" name="Titel 1"/>
+          <p:cNvSpPr>
+            <a:spLocks noGrp="1"/>
+          </p:cNvSpPr>
+          <p:nvPr>
+            <p:ph type="ctrTitle"/>
+          </p:nvPr>
+        </p:nvSpPr>
+        <p:spPr>
+          <a:xfrm>
+            <a:off x="384000" y="2487600"/>
+            <a:ext cx="11424000" cy="443198"/>
+          </a:xfrm>
+        </p:spPr>
+        <p:txBody>
+          <a:bodyPr/>
+          <a:lstStyle/>
+          <a:p>
+            <a:r>
+              <a:rPr lang="en-US" dirty="0"/>
+              <a:t>Die Single Page App</a:t>
+            </a:r>
+          </a:p>
+        </p:txBody>
+      </p:sp>
+    </p:spTree>
+    <p:extLst>
+      <p:ext uri="{BB962C8B-B14F-4D97-AF65-F5344CB8AC3E}">
+        <p14:creationId xmlns:p14="http://schemas.microsoft.com/office/powerpoint/2010/main" val="4293155205"/>
+      </p:ext>
+    </p:extLst>
+  </p:cSld>
+  <p:clrMapOvr>
+    <a:masterClrMapping/>
+  </p:clrMapOvr>
+</p:sld>
+</file>
+
+<file path=ppt/slides/slide7.xml><?xml version="1.0" encoding="utf-8"?>
+<p:sld xmlns:a="http://schemas.openxmlformats.org/drawingml/2006/main" xmlns:r="http://schemas.openxmlformats.org/officeDocument/2006/relationships" xmlns:p="http://schemas.openxmlformats.org/presentationml/2006/main">
+  <p:cSld>
+    <p:spTree>
+      <p:nvGrpSpPr>
+        <p:cNvPr id="1" name=""/>
+        <p:cNvGrpSpPr/>
+        <p:nvPr/>
+      </p:nvGrpSpPr>
+      <p:grpSpPr>
+        <a:xfrm>
+          <a:off x="0" y="0"/>
+          <a:ext cx="0" cy="0"/>
+          <a:chOff x="0" y="0"/>
+          <a:chExt cx="0" cy="0"/>
+        </a:xfrm>
+      </p:grpSpPr>
+      <p:sp>
+        <p:nvSpPr>
+          <p:cNvPr id="5" name="Заглавие 4">
+            <a:extLst>
+              <a:ext uri="{FF2B5EF4-FFF2-40B4-BE49-F238E27FC236}">
+                <a16:creationId xmlns:a16="http://schemas.microsoft.com/office/drawing/2014/main" id="{6E47550B-D0EE-48AE-A808-31B4B7545900}"/>
+              </a:ext>
+            </a:extLst>
+          </p:cNvPr>
+          <p:cNvSpPr>
+            <a:spLocks noGrp="1"/>
+          </p:cNvSpPr>
+          <p:nvPr>
+            <p:ph type="title"/>
+          </p:nvPr>
+        </p:nvSpPr>
+        <p:spPr/>
+        <p:txBody>
+          <a:bodyPr>
+            <a:normAutofit/>
+          </a:bodyPr>
+          <a:lstStyle/>
+          <a:p>
+            <a:r>
+              <a:rPr lang="en-US" sz="2800" dirty="0" err="1"/>
+              <a:t>Technologien</a:t>
+            </a:r>
+            <a:r>
+              <a:rPr lang="en-US" sz="2800" dirty="0"/>
+              <a:t> und </a:t>
+            </a:r>
+            <a:r>
+              <a:rPr lang="en-US" sz="2800" dirty="0" err="1"/>
+              <a:t>Entwicklungsmethode</a:t>
+            </a:r>
+            <a:r>
+              <a:rPr lang="en-US" sz="2800" dirty="0"/>
+              <a:t> </a:t>
+            </a:r>
+          </a:p>
+        </p:txBody>
+      </p:sp>
+      <p:sp>
+        <p:nvSpPr>
+          <p:cNvPr id="6" name="Контейнер за съдържание 5">
+            <a:extLst>
+              <a:ext uri="{FF2B5EF4-FFF2-40B4-BE49-F238E27FC236}">
+                <a16:creationId xmlns:a16="http://schemas.microsoft.com/office/drawing/2014/main" id="{1931EDBB-8A51-4AC7-9C0B-D01548241B42}"/>
+              </a:ext>
+            </a:extLst>
+          </p:cNvPr>
+          <p:cNvSpPr>
+            <a:spLocks noGrp="1"/>
+          </p:cNvSpPr>
+          <p:nvPr>
+            <p:ph sz="quarter" idx="12"/>
+          </p:nvPr>
+        </p:nvSpPr>
+        <p:spPr/>
+        <p:txBody>
+          <a:bodyPr/>
+          <a:lstStyle/>
+          <a:p>
+            <a:pPr marL="457200" indent="-457200">
+              <a:buFont typeface="Arial" panose="020B0604020202020204" pitchFamily="34" charset="0"/>
+              <a:buChar char="•"/>
+            </a:pPr>
+            <a:r>
+              <a:rPr lang="en-US" dirty="0"/>
+              <a:t>AngularJS App </a:t>
+            </a:r>
+            <a:r>
+              <a:rPr lang="en-US" dirty="0" err="1"/>
+              <a:t>für</a:t>
+            </a:r>
+            <a:r>
+              <a:rPr lang="en-US" dirty="0"/>
+              <a:t> das Frontend</a:t>
+            </a:r>
+          </a:p>
+          <a:p>
+            <a:pPr marL="457200" indent="-457200">
+              <a:buFont typeface="Arial" panose="020B0604020202020204" pitchFamily="34" charset="0"/>
+              <a:buChar char="•"/>
+            </a:pPr>
+            <a:r>
+              <a:rPr lang="en-US" dirty="0" err="1"/>
+              <a:t>Pytho</a:t>
+            </a:r>
+            <a:r>
+              <a:rPr lang="de-DE" dirty="0"/>
+              <a:t>n API für Kommunikation als </a:t>
+            </a:r>
+            <a:r>
+              <a:rPr lang="de-DE" dirty="0" err="1"/>
+              <a:t>Midware</a:t>
+            </a:r>
+            <a:endParaRPr lang="de-DE" dirty="0"/>
+          </a:p>
+          <a:p>
+            <a:pPr marL="457200" indent="-457200">
+              <a:buFont typeface="Arial" panose="020B0604020202020204" pitchFamily="34" charset="0"/>
+              <a:buChar char="•"/>
+            </a:pPr>
+            <a:r>
+              <a:rPr lang="de-DE" dirty="0"/>
+              <a:t>Spring Boot Microservices (Importer, Exporter, Database) als Backend</a:t>
+            </a:r>
+          </a:p>
+          <a:p>
+            <a:pPr marL="457200" indent="-457200">
+              <a:buFont typeface="Arial" panose="020B0604020202020204" pitchFamily="34" charset="0"/>
+              <a:buChar char="•"/>
+            </a:pPr>
+            <a:r>
+              <a:rPr lang="de-DE" dirty="0"/>
+              <a:t>Hibernate + MySQL Datenbank </a:t>
+            </a:r>
+          </a:p>
+          <a:p>
+            <a:pPr marL="457200" indent="-457200">
+              <a:buFont typeface="Arial" panose="020B0604020202020204" pitchFamily="34" charset="0"/>
+              <a:buChar char="•"/>
+            </a:pPr>
+            <a:r>
+              <a:rPr lang="de-DE" dirty="0"/>
+              <a:t>Docker für Deployment</a:t>
+            </a:r>
+          </a:p>
+          <a:p>
+            <a:pPr marL="457200" indent="-457200">
+              <a:buFont typeface="Arial" panose="020B0604020202020204" pitchFamily="34" charset="0"/>
+              <a:buChar char="•"/>
+            </a:pPr>
+            <a:r>
+              <a:rPr lang="en-US" dirty="0"/>
+              <a:t>Scrum </a:t>
+            </a:r>
+            <a:r>
+              <a:rPr lang="en-US" dirty="0" err="1"/>
+              <a:t>als</a:t>
+            </a:r>
+            <a:r>
+              <a:rPr lang="en-US" dirty="0"/>
+              <a:t> </a:t>
+            </a:r>
+            <a:r>
+              <a:rPr lang="en-US" dirty="0" err="1"/>
+              <a:t>Entwicklungsmethode</a:t>
+            </a:r>
+            <a:endParaRPr lang="en-US" dirty="0"/>
+          </a:p>
+          <a:p>
+            <a:endParaRPr lang="en-US" dirty="0"/>
+          </a:p>
+        </p:txBody>
+      </p:sp>
+      <p:sp>
+        <p:nvSpPr>
+          <p:cNvPr id="2" name="Контейнер за долния колонтитул 1">
+            <a:extLst>
+              <a:ext uri="{FF2B5EF4-FFF2-40B4-BE49-F238E27FC236}">
+                <a16:creationId xmlns:a16="http://schemas.microsoft.com/office/drawing/2014/main" id="{FEE0ACC8-3EDB-48A8-BA09-4D6E02011B4C}"/>
+              </a:ext>
+            </a:extLst>
+          </p:cNvPr>
+          <p:cNvSpPr>
+            <a:spLocks noGrp="1"/>
+          </p:cNvSpPr>
+          <p:nvPr>
+            <p:ph type="ftr" sz="quarter" idx="13"/>
+          </p:nvPr>
+        </p:nvSpPr>
+        <p:spPr/>
+        <p:txBody>
+          <a:bodyPr/>
+          <a:lstStyle/>
+          <a:p>
+            <a:endParaRPr lang="de-DE" dirty="0"/>
+          </a:p>
+        </p:txBody>
+      </p:sp>
+      <p:sp>
+        <p:nvSpPr>
+          <p:cNvPr id="3" name="Контейнер за номер на слайда 2">
+            <a:extLst>
+              <a:ext uri="{FF2B5EF4-FFF2-40B4-BE49-F238E27FC236}">
+                <a16:creationId xmlns:a16="http://schemas.microsoft.com/office/drawing/2014/main" id="{E5C175FF-DBCF-4DC0-8B34-0748575AB137}"/>
+              </a:ext>
+            </a:extLst>
+          </p:cNvPr>
+          <p:cNvSpPr>
+            <a:spLocks noGrp="1"/>
+          </p:cNvSpPr>
+          <p:nvPr>
+            <p:ph type="sldNum" sz="quarter" idx="14"/>
+          </p:nvPr>
+        </p:nvSpPr>
+        <p:spPr/>
+        <p:txBody>
+          <a:bodyPr/>
+          <a:lstStyle/>
+          <a:p>
+            <a:fld id="{4506F84E-75D2-4715-B6C6-C971E49CE21A}" type="slidenum">
+              <a:rPr lang="de-DE" smtClean="0"/>
+              <a:pPr/>
+              <a:t>7</a:t>
+            </a:fld>
+            <a:endParaRPr lang="de-DE" dirty="0"/>
+          </a:p>
+        </p:txBody>
+      </p:sp>
+    </p:spTree>
+    <p:extLst>
+      <p:ext uri="{BB962C8B-B14F-4D97-AF65-F5344CB8AC3E}">
+        <p14:creationId xmlns:p14="http://schemas.microsoft.com/office/powerpoint/2010/main" val="3810238228"/>
+      </p:ext>
+    </p:extLst>
+  </p:cSld>
+  <p:clrMapOvr>
+    <a:masterClrMapping/>
+  </p:clrMapOvr>
+</p:sld>
+</file>
+
+<file path=ppt/slides/slide8.xml><?xml version="1.0" encoding="utf-8"?>
+<p:sld xmlns:a="http://schemas.openxmlformats.org/drawingml/2006/main" xmlns:r="http://schemas.openxmlformats.org/officeDocument/2006/relationships" xmlns:p="http://schemas.openxmlformats.org/presentationml/2006/main">
+  <p:cSld>
+    <p:spTree>
+      <p:nvGrpSpPr>
+        <p:cNvPr id="1" name=""/>
+        <p:cNvGrpSpPr/>
+        <p:nvPr/>
+      </p:nvGrpSpPr>
+      <p:grpSpPr>
+        <a:xfrm>
+          <a:off x="0" y="0"/>
+          <a:ext cx="0" cy="0"/>
+          <a:chOff x="0" y="0"/>
+          <a:chExt cx="0" cy="0"/>
+        </a:xfrm>
+      </p:grpSpPr>
+      <p:sp>
+        <p:nvSpPr>
           <p:cNvPr id="4" name="Контейнер за долния колонтитул 3">
             <a:extLst>
               <a:ext uri="{FF2B5EF4-FFF2-40B4-BE49-F238E27FC236}">
@@ -5232,7 +5823,7 @@
             <a:fld id="{4506F84E-75D2-4715-B6C6-C971E49CE21A}" type="slidenum">
               <a:rPr lang="de-DE" smtClean="0"/>
               <a:pPr/>
-              <a:t>6</a:t>
+              <a:t>8</a:t>
             </a:fld>
             <a:endParaRPr lang="de-DE" dirty="0"/>
           </a:p>
@@ -5286,7 +5877,7 @@
 </p:sld>
 </file>
 
-<file path=ppt/slides/slide7.xml><?xml version="1.0" encoding="utf-8"?>
+<file path=ppt/slides/slide9.xml><?xml version="1.0" encoding="utf-8"?>
 <p:sld xmlns:a="http://schemas.openxmlformats.org/drawingml/2006/main" xmlns:r="http://schemas.openxmlformats.org/officeDocument/2006/relationships" xmlns:p="http://schemas.openxmlformats.org/presentationml/2006/main">
   <p:cSld>
     <p:spTree>
@@ -5387,7 +5978,7 @@
             <a:fld id="{4506F84E-75D2-4715-B6C6-C971E49CE21A}" type="slidenum">
               <a:rPr lang="de-DE" smtClean="0"/>
               <a:pPr/>
-              <a:t>7</a:t>
+              <a:t>9</a:t>
             </a:fld>
             <a:endParaRPr lang="de-DE" dirty="0"/>
           </a:p>
@@ -5432,471 +6023,6 @@
     <p:extLst>
       <p:ext uri="{BB962C8B-B14F-4D97-AF65-F5344CB8AC3E}">
         <p14:creationId xmlns:p14="http://schemas.microsoft.com/office/powerpoint/2010/main" val="807952761"/>
-      </p:ext>
-    </p:extLst>
-  </p:cSld>
-  <p:clrMapOvr>
-    <a:masterClrMapping/>
-  </p:clrMapOvr>
-</p:sld>
-</file>
-
-<file path=ppt/slides/slide8.xml><?xml version="1.0" encoding="utf-8"?>
-<p:sld xmlns:a="http://schemas.openxmlformats.org/drawingml/2006/main" xmlns:r="http://schemas.openxmlformats.org/officeDocument/2006/relationships" xmlns:p="http://schemas.openxmlformats.org/presentationml/2006/main">
-  <p:cSld>
-    <p:spTree>
-      <p:nvGrpSpPr>
-        <p:cNvPr id="1" name=""/>
-        <p:cNvGrpSpPr/>
-        <p:nvPr/>
-      </p:nvGrpSpPr>
-      <p:grpSpPr>
-        <a:xfrm>
-          <a:off x="0" y="0"/>
-          <a:ext cx="0" cy="0"/>
-          <a:chOff x="0" y="0"/>
-          <a:chExt cx="0" cy="0"/>
-        </a:xfrm>
-      </p:grpSpPr>
-      <p:pic>
-        <p:nvPicPr>
-          <p:cNvPr id="9" name="Контейнер за съдържание 8">
-            <a:extLst>
-              <a:ext uri="{FF2B5EF4-FFF2-40B4-BE49-F238E27FC236}">
-                <a16:creationId xmlns:a16="http://schemas.microsoft.com/office/drawing/2014/main" id="{87FC5537-42A3-4261-815C-9854ECBAA5D0}"/>
-              </a:ext>
-            </a:extLst>
-          </p:cNvPr>
-          <p:cNvPicPr>
-            <a:picLocks noGrp="1" noChangeAspect="1"/>
-          </p:cNvPicPr>
-          <p:nvPr>
-            <p:ph sz="quarter" idx="12"/>
-          </p:nvPr>
-        </p:nvPicPr>
-        <p:blipFill>
-          <a:blip r:embed="rId2">
-            <a:extLst>
-              <a:ext uri="{28A0092B-C50C-407E-A947-70E740481C1C}">
-                <a14:useLocalDpi xmlns:a14="http://schemas.microsoft.com/office/drawing/2010/main" val="0"/>
-              </a:ext>
-            </a:extLst>
-          </a:blip>
-          <a:stretch>
-            <a:fillRect/>
-          </a:stretch>
-        </p:blipFill>
-        <p:spPr>
-          <a:xfrm>
-            <a:off x="1470991" y="331304"/>
-            <a:ext cx="9700591" cy="2782957"/>
-          </a:xfrm>
-        </p:spPr>
-      </p:pic>
-      <p:sp>
-        <p:nvSpPr>
-          <p:cNvPr id="2" name="Контейнер за долния колонтитул 1">
-            <a:extLst>
-              <a:ext uri="{FF2B5EF4-FFF2-40B4-BE49-F238E27FC236}">
-                <a16:creationId xmlns:a16="http://schemas.microsoft.com/office/drawing/2014/main" id="{E82CF011-6F4A-4DF6-91CE-346730693AB8}"/>
-              </a:ext>
-            </a:extLst>
-          </p:cNvPr>
-          <p:cNvSpPr>
-            <a:spLocks noGrp="1"/>
-          </p:cNvSpPr>
-          <p:nvPr>
-            <p:ph type="ftr" sz="quarter" idx="13"/>
-          </p:nvPr>
-        </p:nvSpPr>
-        <p:spPr/>
-        <p:txBody>
-          <a:bodyPr/>
-          <a:lstStyle/>
-          <a:p>
-            <a:endParaRPr lang="de-DE" dirty="0"/>
-          </a:p>
-        </p:txBody>
-      </p:sp>
-      <p:sp>
-        <p:nvSpPr>
-          <p:cNvPr id="3" name="Контейнер за номер на слайда 2">
-            <a:extLst>
-              <a:ext uri="{FF2B5EF4-FFF2-40B4-BE49-F238E27FC236}">
-                <a16:creationId xmlns:a16="http://schemas.microsoft.com/office/drawing/2014/main" id="{EA741454-A2A7-42A3-9B57-4A7B0E751A98}"/>
-              </a:ext>
-            </a:extLst>
-          </p:cNvPr>
-          <p:cNvSpPr>
-            <a:spLocks noGrp="1"/>
-          </p:cNvSpPr>
-          <p:nvPr>
-            <p:ph type="sldNum" sz="quarter" idx="14"/>
-          </p:nvPr>
-        </p:nvSpPr>
-        <p:spPr/>
-        <p:txBody>
-          <a:bodyPr/>
-          <a:lstStyle/>
-          <a:p>
-            <a:fld id="{4506F84E-75D2-4715-B6C6-C971E49CE21A}" type="slidenum">
-              <a:rPr lang="de-DE" smtClean="0"/>
-              <a:pPr/>
-              <a:t>8</a:t>
-            </a:fld>
-            <a:endParaRPr lang="de-DE" dirty="0"/>
-          </a:p>
-        </p:txBody>
-      </p:sp>
-      <p:sp>
-        <p:nvSpPr>
-          <p:cNvPr id="7" name="Контейнер за съдържание 6">
-            <a:extLst>
-              <a:ext uri="{FF2B5EF4-FFF2-40B4-BE49-F238E27FC236}">
-                <a16:creationId xmlns:a16="http://schemas.microsoft.com/office/drawing/2014/main" id="{E810FF0F-1F2D-4F5C-A9D6-76DA78BA1603}"/>
-              </a:ext>
-            </a:extLst>
-          </p:cNvPr>
-          <p:cNvSpPr>
-            <a:spLocks noGrp="1"/>
-          </p:cNvSpPr>
-          <p:nvPr>
-            <p:ph sz="quarter" idx="15"/>
-          </p:nvPr>
-        </p:nvSpPr>
-        <p:spPr>
-          <a:xfrm>
-            <a:off x="383119" y="3445565"/>
-            <a:ext cx="11417905" cy="2520260"/>
-          </a:xfrm>
-        </p:spPr>
-        <p:txBody>
-          <a:bodyPr/>
-          <a:lstStyle/>
-          <a:p>
-            <a:r>
-              <a:rPr lang="en-US" dirty="0" err="1"/>
-              <a:t>Importieren</a:t>
-            </a:r>
-            <a:r>
-              <a:rPr lang="en-US" dirty="0"/>
-              <a:t> von .csv und .story </a:t>
-            </a:r>
-            <a:r>
-              <a:rPr lang="en-US" dirty="0" err="1"/>
-              <a:t>Dateien</a:t>
-            </a:r>
-            <a:r>
-              <a:rPr lang="en-US" dirty="0"/>
-              <a:t>:</a:t>
-            </a:r>
-          </a:p>
-          <a:p>
-            <a:pPr marL="457200" indent="-457200">
-              <a:buFont typeface="Arial" panose="020B0604020202020204" pitchFamily="34" charset="0"/>
-              <a:buChar char="•"/>
-            </a:pPr>
-            <a:r>
-              <a:rPr lang="en-US" dirty="0"/>
-              <a:t>.story – die Story </a:t>
-            </a:r>
-            <a:r>
-              <a:rPr lang="en-US" dirty="0" err="1"/>
-              <a:t>zur</a:t>
-            </a:r>
-            <a:r>
-              <a:rPr lang="en-US" dirty="0"/>
-              <a:t> </a:t>
-            </a:r>
-            <a:r>
-              <a:rPr lang="en-US" dirty="0" err="1"/>
-              <a:t>sp</a:t>
-            </a:r>
-            <a:r>
-              <a:rPr lang="de-DE" dirty="0" err="1"/>
-              <a:t>äteren</a:t>
-            </a:r>
-            <a:r>
-              <a:rPr lang="de-DE" dirty="0"/>
-              <a:t> Identifizierung </a:t>
-            </a:r>
-            <a:r>
-              <a:rPr lang="de-DE" dirty="0" err="1"/>
-              <a:t>bennenen</a:t>
-            </a:r>
-            <a:endParaRPr lang="de-DE" dirty="0"/>
-          </a:p>
-          <a:p>
-            <a:pPr marL="457200" indent="-457200">
-              <a:buFont typeface="Arial" panose="020B0604020202020204" pitchFamily="34" charset="0"/>
-              <a:buChar char="•"/>
-            </a:pPr>
-            <a:r>
-              <a:rPr lang="de-DE" dirty="0"/>
-              <a:t>.</a:t>
-            </a:r>
-            <a:r>
-              <a:rPr lang="de-DE" dirty="0" err="1"/>
-              <a:t>csv</a:t>
-            </a:r>
-            <a:r>
-              <a:rPr lang="de-DE" dirty="0"/>
-              <a:t> </a:t>
-            </a:r>
-            <a:r>
-              <a:rPr lang="en-US" dirty="0"/>
-              <a:t>– die </a:t>
-            </a:r>
-            <a:r>
-              <a:rPr lang="en-US" dirty="0" err="1"/>
-              <a:t>Daten</a:t>
-            </a:r>
-            <a:r>
-              <a:rPr lang="en-US" dirty="0"/>
-              <a:t> </a:t>
-            </a:r>
-            <a:r>
-              <a:rPr lang="en-US" dirty="0" err="1"/>
-              <a:t>einer</a:t>
-            </a:r>
-            <a:r>
-              <a:rPr lang="en-US" dirty="0"/>
-              <a:t> Story und </a:t>
-            </a:r>
-            <a:r>
-              <a:rPr lang="en-US" dirty="0" err="1"/>
-              <a:t>einer</a:t>
-            </a:r>
-            <a:r>
-              <a:rPr lang="en-US" dirty="0"/>
-              <a:t> Entity </a:t>
-            </a:r>
-            <a:r>
-              <a:rPr lang="en-US" dirty="0" err="1"/>
-              <a:t>zuordnen</a:t>
-            </a:r>
-            <a:r>
-              <a:rPr lang="en-US" dirty="0"/>
-              <a:t> und </a:t>
-            </a:r>
-            <a:r>
-              <a:rPr lang="en-US" dirty="0" err="1"/>
-              <a:t>sp</a:t>
-            </a:r>
-            <a:r>
-              <a:rPr lang="de-DE" dirty="0" err="1"/>
-              <a:t>äter</a:t>
-            </a:r>
-            <a:r>
-              <a:rPr lang="de-DE" dirty="0"/>
-              <a:t> mappen</a:t>
-            </a:r>
-            <a:endParaRPr lang="en-US" dirty="0"/>
-          </a:p>
-        </p:txBody>
-      </p:sp>
-    </p:spTree>
-    <p:extLst>
-      <p:ext uri="{BB962C8B-B14F-4D97-AF65-F5344CB8AC3E}">
-        <p14:creationId xmlns:p14="http://schemas.microsoft.com/office/powerpoint/2010/main" val="2804878139"/>
-      </p:ext>
-    </p:extLst>
-  </p:cSld>
-  <p:clrMapOvr>
-    <a:masterClrMapping/>
-  </p:clrMapOvr>
-</p:sld>
-</file>
-
-<file path=ppt/slides/slide9.xml><?xml version="1.0" encoding="utf-8"?>
-<p:sld xmlns:a="http://schemas.openxmlformats.org/drawingml/2006/main" xmlns:r="http://schemas.openxmlformats.org/officeDocument/2006/relationships" xmlns:p="http://schemas.openxmlformats.org/presentationml/2006/main">
-  <p:cSld>
-    <p:spTree>
-      <p:nvGrpSpPr>
-        <p:cNvPr id="1" name=""/>
-        <p:cNvGrpSpPr/>
-        <p:nvPr/>
-      </p:nvGrpSpPr>
-      <p:grpSpPr>
-        <a:xfrm>
-          <a:off x="0" y="0"/>
-          <a:ext cx="0" cy="0"/>
-          <a:chOff x="0" y="0"/>
-          <a:chExt cx="0" cy="0"/>
-        </a:xfrm>
-      </p:grpSpPr>
-      <p:pic>
-        <p:nvPicPr>
-          <p:cNvPr id="7" name="Контейнер за съдържание 6">
-            <a:extLst>
-              <a:ext uri="{FF2B5EF4-FFF2-40B4-BE49-F238E27FC236}">
-                <a16:creationId xmlns:a16="http://schemas.microsoft.com/office/drawing/2014/main" id="{94D0761F-4BE6-43EB-8E00-3B95CA5F5D1E}"/>
-              </a:ext>
-            </a:extLst>
-          </p:cNvPr>
-          <p:cNvPicPr>
-            <a:picLocks noGrp="1" noChangeAspect="1"/>
-          </p:cNvPicPr>
-          <p:nvPr>
-            <p:ph sz="quarter" idx="12"/>
-          </p:nvPr>
-        </p:nvPicPr>
-        <p:blipFill>
-          <a:blip r:embed="rId2">
-            <a:extLst>
-              <a:ext uri="{28A0092B-C50C-407E-A947-70E740481C1C}">
-                <a14:useLocalDpi xmlns:a14="http://schemas.microsoft.com/office/drawing/2010/main" val="0"/>
-              </a:ext>
-            </a:extLst>
-          </a:blip>
-          <a:stretch>
-            <a:fillRect/>
-          </a:stretch>
-        </p:blipFill>
-        <p:spPr>
-          <a:xfrm>
-            <a:off x="686817" y="201613"/>
-            <a:ext cx="5031928" cy="5764212"/>
-          </a:xfrm>
-        </p:spPr>
-      </p:pic>
-      <p:sp>
-        <p:nvSpPr>
-          <p:cNvPr id="3" name="Контейнер за долния колонтитул 2">
-            <a:extLst>
-              <a:ext uri="{FF2B5EF4-FFF2-40B4-BE49-F238E27FC236}">
-                <a16:creationId xmlns:a16="http://schemas.microsoft.com/office/drawing/2014/main" id="{243073BA-C473-4168-992E-65A1FE312C4F}"/>
-              </a:ext>
-            </a:extLst>
-          </p:cNvPr>
-          <p:cNvSpPr>
-            <a:spLocks noGrp="1"/>
-          </p:cNvSpPr>
-          <p:nvPr>
-            <p:ph type="ftr" sz="quarter" idx="13"/>
-          </p:nvPr>
-        </p:nvSpPr>
-        <p:spPr/>
-        <p:txBody>
-          <a:bodyPr/>
-          <a:lstStyle/>
-          <a:p>
-            <a:endParaRPr lang="de-DE" dirty="0"/>
-          </a:p>
-        </p:txBody>
-      </p:sp>
-      <p:sp>
-        <p:nvSpPr>
-          <p:cNvPr id="4" name="Контейнер за номер на слайда 3">
-            <a:extLst>
-              <a:ext uri="{FF2B5EF4-FFF2-40B4-BE49-F238E27FC236}">
-                <a16:creationId xmlns:a16="http://schemas.microsoft.com/office/drawing/2014/main" id="{1779DEEA-D658-40D9-92A5-45CCF5B30A8A}"/>
-              </a:ext>
-            </a:extLst>
-          </p:cNvPr>
-          <p:cNvSpPr>
-            <a:spLocks noGrp="1"/>
-          </p:cNvSpPr>
-          <p:nvPr>
-            <p:ph type="sldNum" sz="quarter" idx="14"/>
-          </p:nvPr>
-        </p:nvSpPr>
-        <p:spPr/>
-        <p:txBody>
-          <a:bodyPr/>
-          <a:lstStyle/>
-          <a:p>
-            <a:fld id="{4506F84E-75D2-4715-B6C6-C971E49CE21A}" type="slidenum">
-              <a:rPr lang="de-DE" smtClean="0"/>
-              <a:pPr/>
-              <a:t>9</a:t>
-            </a:fld>
-            <a:endParaRPr lang="de-DE" dirty="0"/>
-          </a:p>
-        </p:txBody>
-      </p:sp>
-      <p:sp>
-        <p:nvSpPr>
-          <p:cNvPr id="5" name="Контейнер за съдържание 4">
-            <a:extLst>
-              <a:ext uri="{FF2B5EF4-FFF2-40B4-BE49-F238E27FC236}">
-                <a16:creationId xmlns:a16="http://schemas.microsoft.com/office/drawing/2014/main" id="{5CD8C6B8-26C6-4975-906F-A08089515224}"/>
-              </a:ext>
-            </a:extLst>
-          </p:cNvPr>
-          <p:cNvSpPr>
-            <a:spLocks noGrp="1"/>
-          </p:cNvSpPr>
-          <p:nvPr>
-            <p:ph sz="quarter" idx="15"/>
-          </p:nvPr>
-        </p:nvSpPr>
-        <p:spPr>
-          <a:xfrm>
-            <a:off x="6029739" y="1550504"/>
-            <a:ext cx="5771285" cy="2915480"/>
-          </a:xfrm>
-        </p:spPr>
-        <p:txBody>
-          <a:bodyPr/>
-          <a:lstStyle/>
-          <a:p>
-            <a:r>
-              <a:rPr lang="en-US" dirty="0" err="1"/>
-              <a:t>Exportieren</a:t>
-            </a:r>
-            <a:r>
-              <a:rPr lang="en-US" dirty="0"/>
-              <a:t> von .csv und .story </a:t>
-            </a:r>
-            <a:r>
-              <a:rPr lang="en-US" dirty="0" err="1"/>
-              <a:t>Dateien</a:t>
-            </a:r>
-            <a:r>
-              <a:rPr lang="en-US" dirty="0"/>
-              <a:t>:</a:t>
-            </a:r>
-          </a:p>
-          <a:p>
-            <a:pPr marL="457200" indent="-457200">
-              <a:buFont typeface="Arial" panose="020B0604020202020204" pitchFamily="34" charset="0"/>
-              <a:buChar char="•"/>
-            </a:pPr>
-            <a:r>
-              <a:rPr lang="en-US" dirty="0" err="1"/>
-              <a:t>eine</a:t>
-            </a:r>
-            <a:r>
-              <a:rPr lang="en-US" dirty="0"/>
-              <a:t> Story</a:t>
-            </a:r>
-            <a:r>
-              <a:rPr lang="de-DE" dirty="0"/>
-              <a:t>, zu der alle passende Daten exportiert werden</a:t>
-            </a:r>
-          </a:p>
-          <a:p>
-            <a:pPr marL="457200" indent="-457200">
-              <a:buFont typeface="Arial" panose="020B0604020202020204" pitchFamily="34" charset="0"/>
-              <a:buChar char="•"/>
-            </a:pPr>
-            <a:r>
-              <a:rPr lang="de-DE" dirty="0" err="1"/>
-              <a:t>Entities</a:t>
-            </a:r>
-            <a:r>
-              <a:rPr lang="de-DE" dirty="0"/>
-              <a:t>, zu denen passende Stories gefunden werden oder die Entitäten als Daten exportiert werden</a:t>
-            </a:r>
-            <a:endParaRPr lang="en-US" dirty="0"/>
-          </a:p>
-        </p:txBody>
-      </p:sp>
-    </p:spTree>
-    <p:extLst>
-      <p:ext uri="{BB962C8B-B14F-4D97-AF65-F5344CB8AC3E}">
-        <p14:creationId xmlns:p14="http://schemas.microsoft.com/office/powerpoint/2010/main" val="2720316673"/>
       </p:ext>
     </p:extLst>
   </p:cSld>

--- a/finalPresentationFiles/GDIS_Final_Presentation.pptx
+++ b/finalPresentationFiles/GDIS_Final_Presentation.pptx
@@ -400,7 +400,7 @@
               <a:pPr>
                 <a:defRPr/>
               </a:pPr>
-              <a:t>‹Nr.›</a:t>
+              <a:t>‹#›</a:t>
             </a:fld>
             <a:endParaRPr lang="de-DE" sz="1000" dirty="0">
               <a:latin typeface="Arial" pitchFamily="34" charset="0"/>
@@ -715,7 +715,7 @@
               <a:pPr>
                 <a:defRPr/>
               </a:pPr>
-              <a:t>‹Nr.›</a:t>
+              <a:t>‹#›</a:t>
             </a:fld>
             <a:endParaRPr lang="de-DE" dirty="0"/>
           </a:p>
@@ -1812,7 +1812,7 @@
             <a:fld id="{4506F84E-75D2-4715-B6C6-C971E49CE21A}" type="slidenum">
               <a:rPr lang="de-DE" smtClean="0"/>
               <a:pPr/>
-              <a:t>‹Nr.›</a:t>
+              <a:t>‹#›</a:t>
             </a:fld>
             <a:endParaRPr lang="de-DE" dirty="0"/>
           </a:p>
@@ -2041,7 +2041,7 @@
             <a:fld id="{4506F84E-75D2-4715-B6C6-C971E49CE21A}" type="slidenum">
               <a:rPr lang="de-DE" smtClean="0"/>
               <a:pPr/>
-              <a:t>‹Nr.›</a:t>
+              <a:t>‹#›</a:t>
             </a:fld>
             <a:endParaRPr lang="de-DE" dirty="0"/>
           </a:p>
@@ -2175,7 +2175,7 @@
             <a:fld id="{4506F84E-75D2-4715-B6C6-C971E49CE21A}" type="slidenum">
               <a:rPr lang="de-DE" smtClean="0"/>
               <a:pPr/>
-              <a:t>‹Nr.›</a:t>
+              <a:t>‹#›</a:t>
             </a:fld>
             <a:endParaRPr lang="de-DE" dirty="0"/>
           </a:p>
@@ -2309,7 +2309,7 @@
             <a:fld id="{4506F84E-75D2-4715-B6C6-C971E49CE21A}" type="slidenum">
               <a:rPr lang="de-DE" smtClean="0"/>
               <a:pPr/>
-              <a:t>‹Nr.›</a:t>
+              <a:t>‹#›</a:t>
             </a:fld>
             <a:endParaRPr lang="de-DE" dirty="0"/>
           </a:p>
@@ -2498,7 +2498,7 @@
             <a:fld id="{4506F84E-75D2-4715-B6C6-C971E49CE21A}" type="slidenum">
               <a:rPr lang="de-DE" smtClean="0"/>
               <a:pPr/>
-              <a:t>‹Nr.›</a:t>
+              <a:t>‹#›</a:t>
             </a:fld>
             <a:endParaRPr lang="de-DE" dirty="0"/>
           </a:p>
@@ -2687,7 +2687,7 @@
             <a:fld id="{4506F84E-75D2-4715-B6C6-C971E49CE21A}" type="slidenum">
               <a:rPr lang="de-DE" smtClean="0"/>
               <a:pPr/>
-              <a:t>‹Nr.›</a:t>
+              <a:t>‹#›</a:t>
             </a:fld>
             <a:endParaRPr lang="de-DE" dirty="0"/>
           </a:p>
@@ -2876,7 +2876,7 @@
             <a:fld id="{4506F84E-75D2-4715-B6C6-C971E49CE21A}" type="slidenum">
               <a:rPr lang="de-DE" smtClean="0"/>
               <a:pPr/>
-              <a:t>‹Nr.›</a:t>
+              <a:t>‹#›</a:t>
             </a:fld>
             <a:endParaRPr lang="de-DE" dirty="0"/>
           </a:p>
@@ -3048,7 +3048,7 @@
             <a:fld id="{4506F84E-75D2-4715-B6C6-C971E49CE21A}" type="slidenum">
               <a:rPr lang="de-DE" smtClean="0"/>
               <a:pPr/>
-              <a:t>‹Nr.›</a:t>
+              <a:t>‹#›</a:t>
             </a:fld>
             <a:endParaRPr lang="de-DE" dirty="0"/>
           </a:p>
@@ -4535,6 +4535,16 @@
             <a:r>
               <a:rPr lang="en-US" dirty="0"/>
               <a:t>Login System</a:t>
+            </a:r>
+          </a:p>
+          <a:p>
+            <a:pPr marL="457200" indent="-457200">
+              <a:buFont typeface="Arial" panose="020B0604020202020204" pitchFamily="34" charset="0"/>
+              <a:buChar char="•"/>
+            </a:pPr>
+            <a:r>
+              <a:rPr lang="en-US" dirty="0"/>
+              <a:t>Concurrency und Consistency</a:t>
             </a:r>
           </a:p>
         </p:txBody>

--- a/finalPresentationFiles/GDIS_Final_Presentation.pptx
+++ b/finalPresentationFiles/GDIS_Final_Presentation.pptx
@@ -4535,16 +4535,6 @@
             <a:r>
               <a:rPr lang="en-US" dirty="0"/>
               <a:t>Login System</a:t>
-            </a:r>
-          </a:p>
-          <a:p>
-            <a:pPr marL="457200" indent="-457200">
-              <a:buFont typeface="Arial" panose="020B0604020202020204" pitchFamily="34" charset="0"/>
-              <a:buChar char="•"/>
-            </a:pPr>
-            <a:r>
-              <a:rPr lang="en-US" dirty="0"/>
-              <a:t>Concurrency und Consistency</a:t>
             </a:r>
           </a:p>
         </p:txBody>
